--- a/기획문서/UI.pptx
+++ b/기획문서/UI.pptx
@@ -195,7 +195,7 @@
           <a:p>
             <a:fld id="{D5B3D382-BA18-47F4-BD86-E894B4DFE9BE}" type="datetimeFigureOut">
               <a:rPr lang="ko-KR" altLang="en-US" smtClean="0"/>
-              <a:t>2016-04-20</a:t>
+              <a:t>2016-04-21</a:t>
             </a:fld>
             <a:endParaRPr lang="ko-KR" altLang="en-US"/>
           </a:p>
@@ -631,6 +631,90 @@
 </p:notes>
 </file>
 
+<file path=ppt/notesSlides/notesSlide3.xml><?xml version="1.0" encoding="utf-8"?>
+<p:notes xmlns:a="http://schemas.openxmlformats.org/drawingml/2006/main" xmlns:r="http://schemas.openxmlformats.org/officeDocument/2006/relationships" xmlns:p="http://schemas.openxmlformats.org/presentationml/2006/main">
+  <p:cSld>
+    <p:spTree>
+      <p:nvGrpSpPr>
+        <p:cNvPr id="1" name=""/>
+        <p:cNvGrpSpPr/>
+        <p:nvPr/>
+      </p:nvGrpSpPr>
+      <p:grpSpPr>
+        <a:xfrm>
+          <a:off x="0" y="0"/>
+          <a:ext cx="0" cy="0"/>
+          <a:chOff x="0" y="0"/>
+          <a:chExt cx="0" cy="0"/>
+        </a:xfrm>
+      </p:grpSpPr>
+      <p:sp>
+        <p:nvSpPr>
+          <p:cNvPr id="2" name="Slide Image Placeholder 1"/>
+          <p:cNvSpPr>
+            <a:spLocks noGrp="1" noRot="1" noChangeAspect="1"/>
+          </p:cNvSpPr>
+          <p:nvPr>
+            <p:ph type="sldImg"/>
+          </p:nvPr>
+        </p:nvSpPr>
+        <p:spPr/>
+      </p:sp>
+      <p:sp>
+        <p:nvSpPr>
+          <p:cNvPr id="3" name="Notes Placeholder 2"/>
+          <p:cNvSpPr>
+            <a:spLocks noGrp="1"/>
+          </p:cNvSpPr>
+          <p:nvPr>
+            <p:ph type="body" idx="1"/>
+          </p:nvPr>
+        </p:nvSpPr>
+        <p:spPr/>
+        <p:txBody>
+          <a:bodyPr/>
+          <a:lstStyle/>
+          <a:p>
+            <a:endParaRPr lang="ko-KR" altLang="en-US" dirty="0"/>
+          </a:p>
+        </p:txBody>
+      </p:sp>
+      <p:sp>
+        <p:nvSpPr>
+          <p:cNvPr id="4" name="Slide Number Placeholder 3"/>
+          <p:cNvSpPr>
+            <a:spLocks noGrp="1"/>
+          </p:cNvSpPr>
+          <p:nvPr>
+            <p:ph type="sldNum" sz="quarter" idx="10"/>
+          </p:nvPr>
+        </p:nvSpPr>
+        <p:spPr/>
+        <p:txBody>
+          <a:bodyPr/>
+          <a:lstStyle/>
+          <a:p>
+            <a:fld id="{5D8BA519-3E42-4E73-938B-B36BC02CEF6C}" type="slidenum">
+              <a:rPr lang="ko-KR" altLang="en-US" smtClean="0"/>
+              <a:t>4</a:t>
+            </a:fld>
+            <a:endParaRPr lang="ko-KR" altLang="en-US"/>
+          </a:p>
+        </p:txBody>
+      </p:sp>
+    </p:spTree>
+    <p:extLst>
+      <p:ext uri="{BB962C8B-B14F-4D97-AF65-F5344CB8AC3E}">
+        <p14:creationId xmlns:p14="http://schemas.microsoft.com/office/powerpoint/2010/main" val="3106786128"/>
+      </p:ext>
+    </p:extLst>
+  </p:cSld>
+  <p:clrMapOvr>
+    <a:masterClrMapping/>
+  </p:clrMapOvr>
+</p:notes>
+</file>
+
 <file path=ppt/slideLayouts/slideLayout1.xml><?xml version="1.0" encoding="utf-8"?>
 <p:sldLayout xmlns:a="http://schemas.openxmlformats.org/drawingml/2006/main" xmlns:r="http://schemas.openxmlformats.org/officeDocument/2006/relationships" xmlns:p="http://schemas.openxmlformats.org/presentationml/2006/main" type="title" preserve="1">
   <p:cSld name="Title Slide">
@@ -812,7 +896,7 @@
           <a:p>
             <a:fld id="{79BB124B-F906-483B-ACF5-0CC29D8DBA7D}" type="datetimeFigureOut">
               <a:rPr lang="ko-KR" altLang="en-US" smtClean="0"/>
-              <a:t>2016-04-20</a:t>
+              <a:t>2016-04-21</a:t>
             </a:fld>
             <a:endParaRPr lang="ko-KR" altLang="en-US"/>
           </a:p>
@@ -982,7 +1066,7 @@
           <a:p>
             <a:fld id="{79BB124B-F906-483B-ACF5-0CC29D8DBA7D}" type="datetimeFigureOut">
               <a:rPr lang="ko-KR" altLang="en-US" smtClean="0"/>
-              <a:t>2016-04-20</a:t>
+              <a:t>2016-04-21</a:t>
             </a:fld>
             <a:endParaRPr lang="ko-KR" altLang="en-US"/>
           </a:p>
@@ -1162,7 +1246,7 @@
           <a:p>
             <a:fld id="{79BB124B-F906-483B-ACF5-0CC29D8DBA7D}" type="datetimeFigureOut">
               <a:rPr lang="ko-KR" altLang="en-US" smtClean="0"/>
-              <a:t>2016-04-20</a:t>
+              <a:t>2016-04-21</a:t>
             </a:fld>
             <a:endParaRPr lang="ko-KR" altLang="en-US"/>
           </a:p>
@@ -1332,7 +1416,7 @@
           <a:p>
             <a:fld id="{79BB124B-F906-483B-ACF5-0CC29D8DBA7D}" type="datetimeFigureOut">
               <a:rPr lang="ko-KR" altLang="en-US" smtClean="0"/>
-              <a:t>2016-04-20</a:t>
+              <a:t>2016-04-21</a:t>
             </a:fld>
             <a:endParaRPr lang="ko-KR" altLang="en-US"/>
           </a:p>
@@ -1578,7 +1662,7 @@
           <a:p>
             <a:fld id="{79BB124B-F906-483B-ACF5-0CC29D8DBA7D}" type="datetimeFigureOut">
               <a:rPr lang="ko-KR" altLang="en-US" smtClean="0"/>
-              <a:t>2016-04-20</a:t>
+              <a:t>2016-04-21</a:t>
             </a:fld>
             <a:endParaRPr lang="ko-KR" altLang="en-US"/>
           </a:p>
@@ -1866,7 +1950,7 @@
           <a:p>
             <a:fld id="{79BB124B-F906-483B-ACF5-0CC29D8DBA7D}" type="datetimeFigureOut">
               <a:rPr lang="ko-KR" altLang="en-US" smtClean="0"/>
-              <a:t>2016-04-20</a:t>
+              <a:t>2016-04-21</a:t>
             </a:fld>
             <a:endParaRPr lang="ko-KR" altLang="en-US"/>
           </a:p>
@@ -2293,7 +2377,7 @@
           <a:p>
             <a:fld id="{79BB124B-F906-483B-ACF5-0CC29D8DBA7D}" type="datetimeFigureOut">
               <a:rPr lang="ko-KR" altLang="en-US" smtClean="0"/>
-              <a:t>2016-04-20</a:t>
+              <a:t>2016-04-21</a:t>
             </a:fld>
             <a:endParaRPr lang="ko-KR" altLang="en-US"/>
           </a:p>
@@ -2411,7 +2495,7 @@
           <a:p>
             <a:fld id="{79BB124B-F906-483B-ACF5-0CC29D8DBA7D}" type="datetimeFigureOut">
               <a:rPr lang="ko-KR" altLang="en-US" smtClean="0"/>
-              <a:t>2016-04-20</a:t>
+              <a:t>2016-04-21</a:t>
             </a:fld>
             <a:endParaRPr lang="ko-KR" altLang="en-US"/>
           </a:p>
@@ -2506,7 +2590,7 @@
           <a:p>
             <a:fld id="{79BB124B-F906-483B-ACF5-0CC29D8DBA7D}" type="datetimeFigureOut">
               <a:rPr lang="ko-KR" altLang="en-US" smtClean="0"/>
-              <a:t>2016-04-20</a:t>
+              <a:t>2016-04-21</a:t>
             </a:fld>
             <a:endParaRPr lang="ko-KR" altLang="en-US"/>
           </a:p>
@@ -2783,7 +2867,7 @@
           <a:p>
             <a:fld id="{79BB124B-F906-483B-ACF5-0CC29D8DBA7D}" type="datetimeFigureOut">
               <a:rPr lang="ko-KR" altLang="en-US" smtClean="0"/>
-              <a:t>2016-04-20</a:t>
+              <a:t>2016-04-21</a:t>
             </a:fld>
             <a:endParaRPr lang="ko-KR" altLang="en-US"/>
           </a:p>
@@ -3036,7 +3120,7 @@
           <a:p>
             <a:fld id="{79BB124B-F906-483B-ACF5-0CC29D8DBA7D}" type="datetimeFigureOut">
               <a:rPr lang="ko-KR" altLang="en-US" smtClean="0"/>
-              <a:t>2016-04-20</a:t>
+              <a:t>2016-04-21</a:t>
             </a:fld>
             <a:endParaRPr lang="ko-KR" altLang="en-US"/>
           </a:p>
@@ -3249,7 +3333,7 @@
           <a:p>
             <a:fld id="{79BB124B-F906-483B-ACF5-0CC29D8DBA7D}" type="datetimeFigureOut">
               <a:rPr lang="ko-KR" altLang="en-US" smtClean="0"/>
-              <a:t>2016-04-20</a:t>
+              <a:t>2016-04-21</a:t>
             </a:fld>
             <a:endParaRPr lang="ko-KR" altLang="en-US"/>
           </a:p>
@@ -10492,7 +10576,7 @@
           <p:nvPr/>
         </p:nvPicPr>
         <p:blipFill>
-          <a:blip r:embed="rId2">
+          <a:blip r:embed="rId2" cstate="print">
             <a:extLst>
               <a:ext uri="{28A0092B-C50C-407E-A947-70E740481C1C}">
                 <a14:useLocalDpi xmlns:a14="http://schemas.microsoft.com/office/drawing/2010/main" val="0"/>
@@ -10505,8 +10589,8 @@
         </p:blipFill>
         <p:spPr>
           <a:xfrm>
-            <a:off x="3348857" y="3325478"/>
-            <a:ext cx="2125696" cy="2443477"/>
+            <a:off x="3491402" y="3376540"/>
+            <a:ext cx="1824952" cy="2097773"/>
           </a:xfrm>
           <a:prstGeom prst="rect">
             <a:avLst/>
@@ -10625,8 +10709,8 @@
         </p:blipFill>
         <p:spPr>
           <a:xfrm>
-            <a:off x="7322449" y="3285941"/>
-            <a:ext cx="2125696" cy="2367345"/>
+            <a:off x="7464994" y="3326232"/>
+            <a:ext cx="1824952" cy="2032412"/>
           </a:xfrm>
           <a:prstGeom prst="rect">
             <a:avLst/>
@@ -10670,6 +10754,2229 @@
           <a:chExt cx="0" cy="0"/>
         </a:xfrm>
       </p:grpSpPr>
+      <p:grpSp>
+        <p:nvGrpSpPr>
+          <p:cNvPr id="175" name="Group 174"/>
+          <p:cNvGrpSpPr/>
+          <p:nvPr/>
+        </p:nvGrpSpPr>
+        <p:grpSpPr>
+          <a:xfrm>
+            <a:off x="6851" y="10264170"/>
+            <a:ext cx="4854173" cy="4854173"/>
+            <a:chOff x="6851" y="9778425"/>
+            <a:chExt cx="5339910" cy="5339904"/>
+          </a:xfrm>
+        </p:grpSpPr>
+        <p:grpSp>
+          <p:nvGrpSpPr>
+            <p:cNvPr id="164" name="Group 163"/>
+            <p:cNvGrpSpPr/>
+            <p:nvPr/>
+          </p:nvGrpSpPr>
+          <p:grpSpPr>
+            <a:xfrm>
+              <a:off x="6851" y="9778425"/>
+              <a:ext cx="5339910" cy="5339904"/>
+              <a:chOff x="-51205" y="9865518"/>
+              <a:chExt cx="5339909" cy="5339909"/>
+            </a:xfrm>
+          </p:grpSpPr>
+          <p:sp>
+            <p:nvSpPr>
+              <p:cNvPr id="153" name="Round Same Side Corner Rectangle 152"/>
+              <p:cNvSpPr>
+                <a:spLocks noChangeAspect="1"/>
+              </p:cNvSpPr>
+              <p:nvPr/>
+            </p:nvSpPr>
+            <p:spPr>
+              <a:xfrm>
+                <a:off x="-51205" y="9865518"/>
+                <a:ext cx="5339909" cy="5339909"/>
+              </a:xfrm>
+              <a:prstGeom prst="round2SameRect">
+                <a:avLst>
+                  <a:gd name="adj1" fmla="val 8010"/>
+                  <a:gd name="adj2" fmla="val 0"/>
+                </a:avLst>
+              </a:prstGeom>
+              <a:solidFill>
+                <a:schemeClr val="bg1">
+                  <a:lumMod val="65000"/>
+                </a:schemeClr>
+              </a:solidFill>
+              <a:ln w="127000" cap="rnd" cmpd="sng">
+                <a:noFill/>
+                <a:prstDash val="solid"/>
+                <a:bevel/>
+              </a:ln>
+              <a:effectLst>
+                <a:softEdge rad="0"/>
+              </a:effectLst>
+            </p:spPr>
+            <p:style>
+              <a:lnRef idx="2">
+                <a:schemeClr val="accent1">
+                  <a:shade val="50000"/>
+                </a:schemeClr>
+              </a:lnRef>
+              <a:fillRef idx="1">
+                <a:schemeClr val="accent1"/>
+              </a:fillRef>
+              <a:effectRef idx="0">
+                <a:schemeClr val="accent1"/>
+              </a:effectRef>
+              <a:fontRef idx="minor">
+                <a:schemeClr val="lt1"/>
+              </a:fontRef>
+            </p:style>
+            <p:txBody>
+              <a:bodyPr rtlCol="0" anchor="ctr"/>
+              <a:lstStyle/>
+              <a:p>
+                <a:pPr algn="ctr"/>
+                <a:endParaRPr lang="ko-KR" altLang="en-US"/>
+              </a:p>
+            </p:txBody>
+          </p:sp>
+          <p:sp>
+            <p:nvSpPr>
+              <p:cNvPr id="154" name="Round Same Side Corner Rectangle 153"/>
+              <p:cNvSpPr/>
+              <p:nvPr/>
+            </p:nvSpPr>
+            <p:spPr>
+              <a:xfrm>
+                <a:off x="131295" y="10004037"/>
+                <a:ext cx="4974909" cy="324864"/>
+              </a:xfrm>
+              <a:prstGeom prst="round2SameRect">
+                <a:avLst>
+                  <a:gd name="adj1" fmla="val 50000"/>
+                  <a:gd name="adj2" fmla="val 50000"/>
+                </a:avLst>
+              </a:prstGeom>
+              <a:solidFill>
+                <a:schemeClr val="bg1">
+                  <a:lumMod val="95000"/>
+                  <a:alpha val="50000"/>
+                </a:schemeClr>
+              </a:solidFill>
+              <a:ln>
+                <a:noFill/>
+              </a:ln>
+            </p:spPr>
+            <p:style>
+              <a:lnRef idx="2">
+                <a:schemeClr val="accent1">
+                  <a:shade val="50000"/>
+                </a:schemeClr>
+              </a:lnRef>
+              <a:fillRef idx="1">
+                <a:schemeClr val="accent1"/>
+              </a:fillRef>
+              <a:effectRef idx="0">
+                <a:schemeClr val="accent1"/>
+              </a:effectRef>
+              <a:fontRef idx="minor">
+                <a:schemeClr val="lt1"/>
+              </a:fontRef>
+            </p:style>
+            <p:txBody>
+              <a:bodyPr rtlCol="0" anchor="ctr"/>
+              <a:lstStyle/>
+              <a:p>
+                <a:pPr algn="ctr"/>
+                <a:endParaRPr lang="ko-KR" altLang="en-US"/>
+              </a:p>
+            </p:txBody>
+          </p:sp>
+          <p:sp>
+            <p:nvSpPr>
+              <p:cNvPr id="156" name="Oval 155"/>
+              <p:cNvSpPr/>
+              <p:nvPr/>
+            </p:nvSpPr>
+            <p:spPr>
+              <a:xfrm rot="19229300">
+                <a:off x="4971848" y="10007442"/>
+                <a:ext cx="81199" cy="196259"/>
+              </a:xfrm>
+              <a:prstGeom prst="ellipse">
+                <a:avLst/>
+              </a:prstGeom>
+              <a:solidFill>
+                <a:schemeClr val="bg1"/>
+              </a:solidFill>
+              <a:ln>
+                <a:noFill/>
+              </a:ln>
+            </p:spPr>
+            <p:style>
+              <a:lnRef idx="2">
+                <a:schemeClr val="accent1">
+                  <a:shade val="50000"/>
+                </a:schemeClr>
+              </a:lnRef>
+              <a:fillRef idx="1">
+                <a:schemeClr val="accent1"/>
+              </a:fillRef>
+              <a:effectRef idx="0">
+                <a:schemeClr val="accent1"/>
+              </a:effectRef>
+              <a:fontRef idx="minor">
+                <a:schemeClr val="lt1"/>
+              </a:fontRef>
+            </p:style>
+            <p:txBody>
+              <a:bodyPr rtlCol="0" anchor="ctr"/>
+              <a:lstStyle/>
+              <a:p>
+                <a:pPr algn="ctr"/>
+                <a:endParaRPr lang="ko-KR" altLang="en-US"/>
+              </a:p>
+            </p:txBody>
+          </p:sp>
+          <p:sp>
+            <p:nvSpPr>
+              <p:cNvPr id="157" name="Round Same Side Corner Rectangle 156"/>
+              <p:cNvSpPr>
+                <a:spLocks/>
+              </p:cNvSpPr>
+              <p:nvPr/>
+            </p:nvSpPr>
+            <p:spPr>
+              <a:xfrm>
+                <a:off x="131295" y="10657606"/>
+                <a:ext cx="4881152" cy="4547821"/>
+              </a:xfrm>
+              <a:prstGeom prst="round2SameRect">
+                <a:avLst>
+                  <a:gd name="adj1" fmla="val 4778"/>
+                  <a:gd name="adj2" fmla="val 0"/>
+                </a:avLst>
+              </a:prstGeom>
+              <a:solidFill>
+                <a:schemeClr val="bg1">
+                  <a:lumMod val="95000"/>
+                </a:schemeClr>
+              </a:solidFill>
+              <a:ln w="127000" cap="rnd" cmpd="sng">
+                <a:noFill/>
+                <a:prstDash val="solid"/>
+                <a:bevel/>
+              </a:ln>
+              <a:effectLst>
+                <a:softEdge rad="0"/>
+              </a:effectLst>
+            </p:spPr>
+            <p:style>
+              <a:lnRef idx="2">
+                <a:schemeClr val="accent1">
+                  <a:shade val="50000"/>
+                </a:schemeClr>
+              </a:lnRef>
+              <a:fillRef idx="1">
+                <a:schemeClr val="accent1"/>
+              </a:fillRef>
+              <a:effectRef idx="0">
+                <a:schemeClr val="accent1"/>
+              </a:effectRef>
+              <a:fontRef idx="minor">
+                <a:schemeClr val="lt1"/>
+              </a:fontRef>
+            </p:style>
+            <p:txBody>
+              <a:bodyPr rtlCol="0" anchor="ctr"/>
+              <a:lstStyle/>
+              <a:p>
+                <a:pPr algn="ctr"/>
+                <a:endParaRPr lang="ko-KR" altLang="en-US"/>
+              </a:p>
+            </p:txBody>
+          </p:sp>
+          <p:sp>
+            <p:nvSpPr>
+              <p:cNvPr id="162" name="Rounded Rectangle 161"/>
+              <p:cNvSpPr/>
+              <p:nvPr/>
+            </p:nvSpPr>
+            <p:spPr>
+              <a:xfrm>
+                <a:off x="405805" y="10978776"/>
+                <a:ext cx="1889590" cy="920011"/>
+              </a:xfrm>
+              <a:prstGeom prst="roundRect">
+                <a:avLst/>
+              </a:prstGeom>
+              <a:solidFill>
+                <a:schemeClr val="bg1">
+                  <a:lumMod val="95000"/>
+                  <a:alpha val="29000"/>
+                </a:schemeClr>
+              </a:solidFill>
+              <a:ln>
+                <a:noFill/>
+              </a:ln>
+            </p:spPr>
+            <p:style>
+              <a:lnRef idx="2">
+                <a:schemeClr val="accent1">
+                  <a:shade val="50000"/>
+                </a:schemeClr>
+              </a:lnRef>
+              <a:fillRef idx="1">
+                <a:schemeClr val="accent1"/>
+              </a:fillRef>
+              <a:effectRef idx="0">
+                <a:schemeClr val="accent1"/>
+              </a:effectRef>
+              <a:fontRef idx="minor">
+                <a:schemeClr val="lt1"/>
+              </a:fontRef>
+            </p:style>
+            <p:txBody>
+              <a:bodyPr rtlCol="0" anchor="ctr"/>
+              <a:lstStyle/>
+              <a:p>
+                <a:pPr algn="ctr"/>
+                <a:endParaRPr lang="ko-KR" altLang="en-US"/>
+              </a:p>
+            </p:txBody>
+          </p:sp>
+        </p:grpSp>
+        <p:sp>
+          <p:nvSpPr>
+            <p:cNvPr id="165" name="TextBox 164"/>
+            <p:cNvSpPr txBox="1"/>
+            <p:nvPr/>
+          </p:nvSpPr>
+          <p:spPr>
+            <a:xfrm>
+              <a:off x="1668693" y="10010983"/>
+              <a:ext cx="2016225" cy="400110"/>
+            </a:xfrm>
+            <a:prstGeom prst="rect">
+              <a:avLst/>
+            </a:prstGeom>
+            <a:noFill/>
+          </p:spPr>
+          <p:txBody>
+            <a:bodyPr wrap="square" rtlCol="0">
+              <a:spAutoFit/>
+            </a:bodyPr>
+            <a:lstStyle/>
+            <a:p>
+              <a:pPr algn="ctr"/>
+              <a:r>
+                <a:rPr lang="en-US" altLang="ko-KR" sz="2000" b="1" dirty="0" smtClean="0"/>
+                <a:t>Select </a:t>
+              </a:r>
+              <a:r>
+                <a:rPr lang="en-US" altLang="ko-KR" sz="2000" b="1" dirty="0"/>
+                <a:t>O</a:t>
+              </a:r>
+              <a:r>
+                <a:rPr lang="en-US" altLang="ko-KR" sz="2000" b="1" dirty="0" smtClean="0"/>
+                <a:t>bject</a:t>
+              </a:r>
+              <a:endParaRPr lang="ko-KR" altLang="en-US" sz="2000" b="1" dirty="0"/>
+            </a:p>
+          </p:txBody>
+        </p:sp>
+      </p:grpSp>
+      <p:sp>
+        <p:nvSpPr>
+          <p:cNvPr id="40" name="Round Same Side Corner Rectangle 39"/>
+          <p:cNvSpPr/>
+          <p:nvPr/>
+        </p:nvSpPr>
+        <p:spPr>
+          <a:xfrm>
+            <a:off x="6646790" y="12112486"/>
+            <a:ext cx="9879531" cy="3009616"/>
+          </a:xfrm>
+          <a:prstGeom prst="round2SameRect">
+            <a:avLst>
+              <a:gd name="adj1" fmla="val 8010"/>
+              <a:gd name="adj2" fmla="val 0"/>
+            </a:avLst>
+          </a:prstGeom>
+          <a:solidFill>
+            <a:schemeClr val="bg1">
+              <a:lumMod val="65000"/>
+            </a:schemeClr>
+          </a:solidFill>
+          <a:ln w="127000" cap="rnd" cmpd="sng">
+            <a:noFill/>
+            <a:prstDash val="solid"/>
+            <a:bevel/>
+          </a:ln>
+          <a:effectLst>
+            <a:softEdge rad="0"/>
+          </a:effectLst>
+        </p:spPr>
+        <p:style>
+          <a:lnRef idx="2">
+            <a:schemeClr val="accent1">
+              <a:shade val="50000"/>
+            </a:schemeClr>
+          </a:lnRef>
+          <a:fillRef idx="1">
+            <a:schemeClr val="accent1"/>
+          </a:fillRef>
+          <a:effectRef idx="0">
+            <a:schemeClr val="accent1"/>
+          </a:effectRef>
+          <a:fontRef idx="minor">
+            <a:schemeClr val="lt1"/>
+          </a:fontRef>
+        </p:style>
+        <p:txBody>
+          <a:bodyPr rtlCol="0" anchor="ctr"/>
+          <a:lstStyle/>
+          <a:p>
+            <a:pPr algn="ctr"/>
+            <a:endParaRPr lang="ko-KR" altLang="en-US"/>
+          </a:p>
+        </p:txBody>
+      </p:sp>
+      <p:sp>
+        <p:nvSpPr>
+          <p:cNvPr id="75" name="Round Same Side Corner Rectangle 74"/>
+          <p:cNvSpPr/>
+          <p:nvPr/>
+        </p:nvSpPr>
+        <p:spPr>
+          <a:xfrm>
+            <a:off x="6869553" y="12823774"/>
+            <a:ext cx="9434004" cy="2298327"/>
+          </a:xfrm>
+          <a:prstGeom prst="round2SameRect">
+            <a:avLst>
+              <a:gd name="adj1" fmla="val 5750"/>
+              <a:gd name="adj2" fmla="val 0"/>
+            </a:avLst>
+          </a:prstGeom>
+          <a:solidFill>
+            <a:schemeClr val="bg1">
+              <a:lumMod val="95000"/>
+            </a:schemeClr>
+          </a:solidFill>
+          <a:ln w="127000" cap="rnd" cmpd="sng">
+            <a:noFill/>
+            <a:prstDash val="solid"/>
+            <a:bevel/>
+          </a:ln>
+          <a:effectLst>
+            <a:softEdge rad="0"/>
+          </a:effectLst>
+        </p:spPr>
+        <p:style>
+          <a:lnRef idx="2">
+            <a:schemeClr val="accent1">
+              <a:shade val="50000"/>
+            </a:schemeClr>
+          </a:lnRef>
+          <a:fillRef idx="1">
+            <a:schemeClr val="accent1"/>
+          </a:fillRef>
+          <a:effectRef idx="0">
+            <a:schemeClr val="accent1"/>
+          </a:effectRef>
+          <a:fontRef idx="minor">
+            <a:schemeClr val="lt1"/>
+          </a:fontRef>
+        </p:style>
+        <p:txBody>
+          <a:bodyPr rtlCol="0" anchor="ctr"/>
+          <a:lstStyle/>
+          <a:p>
+            <a:pPr algn="ctr"/>
+            <a:endParaRPr lang="ko-KR" altLang="en-US"/>
+          </a:p>
+        </p:txBody>
+      </p:sp>
+      <p:grpSp>
+        <p:nvGrpSpPr>
+          <p:cNvPr id="46" name="Group 45"/>
+          <p:cNvGrpSpPr/>
+          <p:nvPr/>
+        </p:nvGrpSpPr>
+        <p:grpSpPr>
+          <a:xfrm>
+            <a:off x="7086911" y="13197739"/>
+            <a:ext cx="1500098" cy="1569960"/>
+            <a:chOff x="3103943" y="2947152"/>
+            <a:chExt cx="3029197" cy="3104067"/>
+          </a:xfrm>
+        </p:grpSpPr>
+        <p:sp>
+          <p:nvSpPr>
+            <p:cNvPr id="47" name="Rounded Rectangle 46"/>
+            <p:cNvSpPr/>
+            <p:nvPr/>
+          </p:nvSpPr>
+          <p:spPr>
+            <a:xfrm>
+              <a:off x="3103943" y="3024756"/>
+              <a:ext cx="3029197" cy="3026463"/>
+            </a:xfrm>
+            <a:prstGeom prst="roundRect">
+              <a:avLst>
+                <a:gd name="adj" fmla="val 11628"/>
+              </a:avLst>
+            </a:prstGeom>
+            <a:solidFill>
+              <a:schemeClr val="tx2">
+                <a:lumMod val="60000"/>
+                <a:lumOff val="40000"/>
+              </a:schemeClr>
+            </a:solidFill>
+            <a:ln>
+              <a:noFill/>
+            </a:ln>
+            <a:effectLst>
+              <a:outerShdw blurRad="101600" dist="38100" dir="5400000" algn="t" rotWithShape="0">
+                <a:schemeClr val="tx1">
+                  <a:lumMod val="75000"/>
+                  <a:lumOff val="25000"/>
+                  <a:alpha val="40000"/>
+                </a:schemeClr>
+              </a:outerShdw>
+              <a:softEdge rad="12700"/>
+            </a:effectLst>
+            <a:scene3d>
+              <a:camera prst="orthographicFront"/>
+              <a:lightRig rig="threePt" dir="t"/>
+            </a:scene3d>
+            <a:sp3d>
+              <a:contourClr>
+                <a:schemeClr val="bg1"/>
+              </a:contourClr>
+            </a:sp3d>
+          </p:spPr>
+          <p:style>
+            <a:lnRef idx="2">
+              <a:schemeClr val="accent1">
+                <a:shade val="50000"/>
+              </a:schemeClr>
+            </a:lnRef>
+            <a:fillRef idx="1">
+              <a:schemeClr val="accent1"/>
+            </a:fillRef>
+            <a:effectRef idx="0">
+              <a:schemeClr val="accent1"/>
+            </a:effectRef>
+            <a:fontRef idx="minor">
+              <a:schemeClr val="lt1"/>
+            </a:fontRef>
+          </p:style>
+          <p:txBody>
+            <a:bodyPr rtlCol="0" anchor="ctr"/>
+            <a:lstStyle/>
+            <a:p>
+              <a:pPr algn="ctr"/>
+              <a:endParaRPr lang="ko-KR" altLang="en-US"/>
+            </a:p>
+          </p:txBody>
+        </p:sp>
+        <p:sp>
+          <p:nvSpPr>
+            <p:cNvPr id="48" name="Rounded Rectangle 47"/>
+            <p:cNvSpPr/>
+            <p:nvPr/>
+          </p:nvSpPr>
+          <p:spPr>
+            <a:xfrm>
+              <a:off x="3103943" y="2947152"/>
+              <a:ext cx="3029197" cy="3026463"/>
+            </a:xfrm>
+            <a:prstGeom prst="roundRect">
+              <a:avLst>
+                <a:gd name="adj" fmla="val 11628"/>
+              </a:avLst>
+            </a:prstGeom>
+            <a:solidFill>
+              <a:schemeClr val="accent1">
+                <a:lumMod val="60000"/>
+                <a:lumOff val="40000"/>
+              </a:schemeClr>
+            </a:solidFill>
+            <a:ln>
+              <a:noFill/>
+            </a:ln>
+            <a:effectLst>
+              <a:softEdge rad="12700"/>
+            </a:effectLst>
+            <a:scene3d>
+              <a:camera prst="orthographicFront"/>
+              <a:lightRig rig="threePt" dir="t"/>
+            </a:scene3d>
+            <a:sp3d>
+              <a:contourClr>
+                <a:schemeClr val="bg1"/>
+              </a:contourClr>
+            </a:sp3d>
+          </p:spPr>
+          <p:style>
+            <a:lnRef idx="2">
+              <a:schemeClr val="accent1">
+                <a:shade val="50000"/>
+              </a:schemeClr>
+            </a:lnRef>
+            <a:fillRef idx="1">
+              <a:schemeClr val="accent1"/>
+            </a:fillRef>
+            <a:effectRef idx="0">
+              <a:schemeClr val="accent1"/>
+            </a:effectRef>
+            <a:fontRef idx="minor">
+              <a:schemeClr val="lt1"/>
+            </a:fontRef>
+          </p:style>
+          <p:txBody>
+            <a:bodyPr rtlCol="0" anchor="ctr"/>
+            <a:lstStyle/>
+            <a:p>
+              <a:pPr algn="ctr"/>
+              <a:endParaRPr lang="ko-KR" altLang="en-US"/>
+            </a:p>
+          </p:txBody>
+        </p:sp>
+        <p:sp>
+          <p:nvSpPr>
+            <p:cNvPr id="49" name="Rounded Rectangle 48"/>
+            <p:cNvSpPr/>
+            <p:nvPr/>
+          </p:nvSpPr>
+          <p:spPr>
+            <a:xfrm>
+              <a:off x="3223928" y="3102357"/>
+              <a:ext cx="2789228" cy="1358028"/>
+            </a:xfrm>
+            <a:prstGeom prst="roundRect">
+              <a:avLst/>
+            </a:prstGeom>
+            <a:solidFill>
+              <a:schemeClr val="bg1">
+                <a:lumMod val="95000"/>
+                <a:alpha val="29000"/>
+              </a:schemeClr>
+            </a:solidFill>
+            <a:ln>
+              <a:noFill/>
+            </a:ln>
+          </p:spPr>
+          <p:style>
+            <a:lnRef idx="2">
+              <a:schemeClr val="accent1">
+                <a:shade val="50000"/>
+              </a:schemeClr>
+            </a:lnRef>
+            <a:fillRef idx="1">
+              <a:schemeClr val="accent1"/>
+            </a:fillRef>
+            <a:effectRef idx="0">
+              <a:schemeClr val="accent1"/>
+            </a:effectRef>
+            <a:fontRef idx="minor">
+              <a:schemeClr val="lt1"/>
+            </a:fontRef>
+          </p:style>
+          <p:txBody>
+            <a:bodyPr rtlCol="0" anchor="ctr"/>
+            <a:lstStyle/>
+            <a:p>
+              <a:pPr algn="ctr"/>
+              <a:endParaRPr lang="ko-KR" altLang="en-US"/>
+            </a:p>
+          </p:txBody>
+        </p:sp>
+        <p:sp>
+          <p:nvSpPr>
+            <p:cNvPr id="50" name="Oval 49"/>
+            <p:cNvSpPr/>
+            <p:nvPr/>
+          </p:nvSpPr>
+          <p:spPr>
+            <a:xfrm rot="19229300">
+              <a:off x="5779982" y="3135850"/>
+              <a:ext cx="127949" cy="230897"/>
+            </a:xfrm>
+            <a:prstGeom prst="ellipse">
+              <a:avLst/>
+            </a:prstGeom>
+            <a:solidFill>
+              <a:schemeClr val="bg1"/>
+            </a:solidFill>
+            <a:ln>
+              <a:noFill/>
+            </a:ln>
+          </p:spPr>
+          <p:style>
+            <a:lnRef idx="2">
+              <a:schemeClr val="accent1">
+                <a:shade val="50000"/>
+              </a:schemeClr>
+            </a:lnRef>
+            <a:fillRef idx="1">
+              <a:schemeClr val="accent1"/>
+            </a:fillRef>
+            <a:effectRef idx="0">
+              <a:schemeClr val="accent1"/>
+            </a:effectRef>
+            <a:fontRef idx="minor">
+              <a:schemeClr val="lt1"/>
+            </a:fontRef>
+          </p:style>
+          <p:txBody>
+            <a:bodyPr rtlCol="0" anchor="ctr"/>
+            <a:lstStyle/>
+            <a:p>
+              <a:pPr algn="ctr"/>
+              <a:endParaRPr lang="ko-KR" altLang="en-US"/>
+            </a:p>
+          </p:txBody>
+        </p:sp>
+      </p:grpSp>
+      <p:grpSp>
+        <p:nvGrpSpPr>
+          <p:cNvPr id="51" name="Group 50"/>
+          <p:cNvGrpSpPr/>
+          <p:nvPr/>
+        </p:nvGrpSpPr>
+        <p:grpSpPr>
+          <a:xfrm>
+            <a:off x="8958850" y="13197739"/>
+            <a:ext cx="1500098" cy="1569960"/>
+            <a:chOff x="3103943" y="2947152"/>
+            <a:chExt cx="3029197" cy="3104067"/>
+          </a:xfrm>
+        </p:grpSpPr>
+        <p:sp>
+          <p:nvSpPr>
+            <p:cNvPr id="52" name="Rounded Rectangle 51"/>
+            <p:cNvSpPr/>
+            <p:nvPr/>
+          </p:nvSpPr>
+          <p:spPr>
+            <a:xfrm>
+              <a:off x="3103943" y="3024756"/>
+              <a:ext cx="3029197" cy="3026463"/>
+            </a:xfrm>
+            <a:prstGeom prst="roundRect">
+              <a:avLst>
+                <a:gd name="adj" fmla="val 11628"/>
+              </a:avLst>
+            </a:prstGeom>
+            <a:solidFill>
+              <a:schemeClr val="tx2">
+                <a:lumMod val="60000"/>
+                <a:lumOff val="40000"/>
+              </a:schemeClr>
+            </a:solidFill>
+            <a:ln>
+              <a:noFill/>
+            </a:ln>
+            <a:effectLst>
+              <a:outerShdw blurRad="101600" dist="38100" dir="5400000" algn="t" rotWithShape="0">
+                <a:schemeClr val="tx1">
+                  <a:lumMod val="75000"/>
+                  <a:lumOff val="25000"/>
+                  <a:alpha val="40000"/>
+                </a:schemeClr>
+              </a:outerShdw>
+              <a:softEdge rad="12700"/>
+            </a:effectLst>
+            <a:scene3d>
+              <a:camera prst="orthographicFront"/>
+              <a:lightRig rig="threePt" dir="t"/>
+            </a:scene3d>
+            <a:sp3d>
+              <a:contourClr>
+                <a:schemeClr val="bg1"/>
+              </a:contourClr>
+            </a:sp3d>
+          </p:spPr>
+          <p:style>
+            <a:lnRef idx="2">
+              <a:schemeClr val="accent1">
+                <a:shade val="50000"/>
+              </a:schemeClr>
+            </a:lnRef>
+            <a:fillRef idx="1">
+              <a:schemeClr val="accent1"/>
+            </a:fillRef>
+            <a:effectRef idx="0">
+              <a:schemeClr val="accent1"/>
+            </a:effectRef>
+            <a:fontRef idx="minor">
+              <a:schemeClr val="lt1"/>
+            </a:fontRef>
+          </p:style>
+          <p:txBody>
+            <a:bodyPr rtlCol="0" anchor="ctr"/>
+            <a:lstStyle/>
+            <a:p>
+              <a:pPr algn="ctr"/>
+              <a:endParaRPr lang="ko-KR" altLang="en-US"/>
+            </a:p>
+          </p:txBody>
+        </p:sp>
+        <p:sp>
+          <p:nvSpPr>
+            <p:cNvPr id="53" name="Rounded Rectangle 52"/>
+            <p:cNvSpPr/>
+            <p:nvPr/>
+          </p:nvSpPr>
+          <p:spPr>
+            <a:xfrm>
+              <a:off x="3103943" y="2947152"/>
+              <a:ext cx="3029197" cy="3026463"/>
+            </a:xfrm>
+            <a:prstGeom prst="roundRect">
+              <a:avLst>
+                <a:gd name="adj" fmla="val 11628"/>
+              </a:avLst>
+            </a:prstGeom>
+            <a:solidFill>
+              <a:schemeClr val="accent1">
+                <a:lumMod val="60000"/>
+                <a:lumOff val="40000"/>
+              </a:schemeClr>
+            </a:solidFill>
+            <a:ln>
+              <a:noFill/>
+            </a:ln>
+            <a:effectLst>
+              <a:softEdge rad="12700"/>
+            </a:effectLst>
+            <a:scene3d>
+              <a:camera prst="orthographicFront"/>
+              <a:lightRig rig="threePt" dir="t"/>
+            </a:scene3d>
+            <a:sp3d>
+              <a:contourClr>
+                <a:schemeClr val="bg1"/>
+              </a:contourClr>
+            </a:sp3d>
+          </p:spPr>
+          <p:style>
+            <a:lnRef idx="2">
+              <a:schemeClr val="accent1">
+                <a:shade val="50000"/>
+              </a:schemeClr>
+            </a:lnRef>
+            <a:fillRef idx="1">
+              <a:schemeClr val="accent1"/>
+            </a:fillRef>
+            <a:effectRef idx="0">
+              <a:schemeClr val="accent1"/>
+            </a:effectRef>
+            <a:fontRef idx="minor">
+              <a:schemeClr val="lt1"/>
+            </a:fontRef>
+          </p:style>
+          <p:txBody>
+            <a:bodyPr rtlCol="0" anchor="ctr"/>
+            <a:lstStyle/>
+            <a:p>
+              <a:pPr algn="ctr"/>
+              <a:endParaRPr lang="ko-KR" altLang="en-US"/>
+            </a:p>
+          </p:txBody>
+        </p:sp>
+        <p:sp>
+          <p:nvSpPr>
+            <p:cNvPr id="54" name="Rounded Rectangle 53"/>
+            <p:cNvSpPr/>
+            <p:nvPr/>
+          </p:nvSpPr>
+          <p:spPr>
+            <a:xfrm>
+              <a:off x="3223928" y="3102357"/>
+              <a:ext cx="2789228" cy="1358028"/>
+            </a:xfrm>
+            <a:prstGeom prst="roundRect">
+              <a:avLst/>
+            </a:prstGeom>
+            <a:solidFill>
+              <a:schemeClr val="bg1">
+                <a:lumMod val="95000"/>
+                <a:alpha val="29000"/>
+              </a:schemeClr>
+            </a:solidFill>
+            <a:ln>
+              <a:noFill/>
+            </a:ln>
+          </p:spPr>
+          <p:style>
+            <a:lnRef idx="2">
+              <a:schemeClr val="accent1">
+                <a:shade val="50000"/>
+              </a:schemeClr>
+            </a:lnRef>
+            <a:fillRef idx="1">
+              <a:schemeClr val="accent1"/>
+            </a:fillRef>
+            <a:effectRef idx="0">
+              <a:schemeClr val="accent1"/>
+            </a:effectRef>
+            <a:fontRef idx="minor">
+              <a:schemeClr val="lt1"/>
+            </a:fontRef>
+          </p:style>
+          <p:txBody>
+            <a:bodyPr rtlCol="0" anchor="ctr"/>
+            <a:lstStyle/>
+            <a:p>
+              <a:pPr algn="ctr"/>
+              <a:endParaRPr lang="ko-KR" altLang="en-US"/>
+            </a:p>
+          </p:txBody>
+        </p:sp>
+        <p:sp>
+          <p:nvSpPr>
+            <p:cNvPr id="55" name="Oval 54"/>
+            <p:cNvSpPr/>
+            <p:nvPr/>
+          </p:nvSpPr>
+          <p:spPr>
+            <a:xfrm rot="19229300">
+              <a:off x="5779982" y="3135850"/>
+              <a:ext cx="127949" cy="230897"/>
+            </a:xfrm>
+            <a:prstGeom prst="ellipse">
+              <a:avLst/>
+            </a:prstGeom>
+            <a:solidFill>
+              <a:schemeClr val="bg1"/>
+            </a:solidFill>
+            <a:ln>
+              <a:noFill/>
+            </a:ln>
+          </p:spPr>
+          <p:style>
+            <a:lnRef idx="2">
+              <a:schemeClr val="accent1">
+                <a:shade val="50000"/>
+              </a:schemeClr>
+            </a:lnRef>
+            <a:fillRef idx="1">
+              <a:schemeClr val="accent1"/>
+            </a:fillRef>
+            <a:effectRef idx="0">
+              <a:schemeClr val="accent1"/>
+            </a:effectRef>
+            <a:fontRef idx="minor">
+              <a:schemeClr val="lt1"/>
+            </a:fontRef>
+          </p:style>
+          <p:txBody>
+            <a:bodyPr rtlCol="0" anchor="ctr"/>
+            <a:lstStyle/>
+            <a:p>
+              <a:pPr algn="ctr"/>
+              <a:endParaRPr lang="ko-KR" altLang="en-US"/>
+            </a:p>
+          </p:txBody>
+        </p:sp>
+      </p:grpSp>
+      <p:grpSp>
+        <p:nvGrpSpPr>
+          <p:cNvPr id="56" name="Group 55"/>
+          <p:cNvGrpSpPr/>
+          <p:nvPr/>
+        </p:nvGrpSpPr>
+        <p:grpSpPr>
+          <a:xfrm>
+            <a:off x="10830790" y="13197739"/>
+            <a:ext cx="1500098" cy="1569960"/>
+            <a:chOff x="3103943" y="2947152"/>
+            <a:chExt cx="3029197" cy="3104067"/>
+          </a:xfrm>
+        </p:grpSpPr>
+        <p:sp>
+          <p:nvSpPr>
+            <p:cNvPr id="57" name="Rounded Rectangle 56"/>
+            <p:cNvSpPr/>
+            <p:nvPr/>
+          </p:nvSpPr>
+          <p:spPr>
+            <a:xfrm>
+              <a:off x="3103943" y="3024756"/>
+              <a:ext cx="3029197" cy="3026463"/>
+            </a:xfrm>
+            <a:prstGeom prst="roundRect">
+              <a:avLst>
+                <a:gd name="adj" fmla="val 11628"/>
+              </a:avLst>
+            </a:prstGeom>
+            <a:solidFill>
+              <a:schemeClr val="tx2">
+                <a:lumMod val="60000"/>
+                <a:lumOff val="40000"/>
+              </a:schemeClr>
+            </a:solidFill>
+            <a:ln>
+              <a:noFill/>
+            </a:ln>
+            <a:effectLst>
+              <a:outerShdw blurRad="101600" dist="38100" dir="5400000" algn="t" rotWithShape="0">
+                <a:schemeClr val="tx1">
+                  <a:lumMod val="75000"/>
+                  <a:lumOff val="25000"/>
+                  <a:alpha val="40000"/>
+                </a:schemeClr>
+              </a:outerShdw>
+              <a:softEdge rad="12700"/>
+            </a:effectLst>
+            <a:scene3d>
+              <a:camera prst="orthographicFront"/>
+              <a:lightRig rig="threePt" dir="t"/>
+            </a:scene3d>
+            <a:sp3d>
+              <a:contourClr>
+                <a:schemeClr val="bg1"/>
+              </a:contourClr>
+            </a:sp3d>
+          </p:spPr>
+          <p:style>
+            <a:lnRef idx="2">
+              <a:schemeClr val="accent1">
+                <a:shade val="50000"/>
+              </a:schemeClr>
+            </a:lnRef>
+            <a:fillRef idx="1">
+              <a:schemeClr val="accent1"/>
+            </a:fillRef>
+            <a:effectRef idx="0">
+              <a:schemeClr val="accent1"/>
+            </a:effectRef>
+            <a:fontRef idx="minor">
+              <a:schemeClr val="lt1"/>
+            </a:fontRef>
+          </p:style>
+          <p:txBody>
+            <a:bodyPr rtlCol="0" anchor="ctr"/>
+            <a:lstStyle/>
+            <a:p>
+              <a:pPr algn="ctr"/>
+              <a:endParaRPr lang="ko-KR" altLang="en-US"/>
+            </a:p>
+          </p:txBody>
+        </p:sp>
+        <p:sp>
+          <p:nvSpPr>
+            <p:cNvPr id="58" name="Rounded Rectangle 57"/>
+            <p:cNvSpPr/>
+            <p:nvPr/>
+          </p:nvSpPr>
+          <p:spPr>
+            <a:xfrm>
+              <a:off x="3103943" y="2947152"/>
+              <a:ext cx="3029197" cy="3026463"/>
+            </a:xfrm>
+            <a:prstGeom prst="roundRect">
+              <a:avLst>
+                <a:gd name="adj" fmla="val 11628"/>
+              </a:avLst>
+            </a:prstGeom>
+            <a:solidFill>
+              <a:schemeClr val="accent1">
+                <a:lumMod val="60000"/>
+                <a:lumOff val="40000"/>
+              </a:schemeClr>
+            </a:solidFill>
+            <a:ln>
+              <a:noFill/>
+            </a:ln>
+            <a:effectLst>
+              <a:softEdge rad="12700"/>
+            </a:effectLst>
+            <a:scene3d>
+              <a:camera prst="orthographicFront"/>
+              <a:lightRig rig="threePt" dir="t"/>
+            </a:scene3d>
+            <a:sp3d>
+              <a:contourClr>
+                <a:schemeClr val="bg1"/>
+              </a:contourClr>
+            </a:sp3d>
+          </p:spPr>
+          <p:style>
+            <a:lnRef idx="2">
+              <a:schemeClr val="accent1">
+                <a:shade val="50000"/>
+              </a:schemeClr>
+            </a:lnRef>
+            <a:fillRef idx="1">
+              <a:schemeClr val="accent1"/>
+            </a:fillRef>
+            <a:effectRef idx="0">
+              <a:schemeClr val="accent1"/>
+            </a:effectRef>
+            <a:fontRef idx="minor">
+              <a:schemeClr val="lt1"/>
+            </a:fontRef>
+          </p:style>
+          <p:txBody>
+            <a:bodyPr rtlCol="0" anchor="ctr"/>
+            <a:lstStyle/>
+            <a:p>
+              <a:pPr algn="ctr"/>
+              <a:endParaRPr lang="ko-KR" altLang="en-US"/>
+            </a:p>
+          </p:txBody>
+        </p:sp>
+        <p:sp>
+          <p:nvSpPr>
+            <p:cNvPr id="59" name="Rounded Rectangle 58"/>
+            <p:cNvSpPr/>
+            <p:nvPr/>
+          </p:nvSpPr>
+          <p:spPr>
+            <a:xfrm>
+              <a:off x="3223928" y="3102357"/>
+              <a:ext cx="2789228" cy="1358028"/>
+            </a:xfrm>
+            <a:prstGeom prst="roundRect">
+              <a:avLst/>
+            </a:prstGeom>
+            <a:solidFill>
+              <a:schemeClr val="bg1">
+                <a:lumMod val="95000"/>
+                <a:alpha val="29000"/>
+              </a:schemeClr>
+            </a:solidFill>
+            <a:ln>
+              <a:noFill/>
+            </a:ln>
+          </p:spPr>
+          <p:style>
+            <a:lnRef idx="2">
+              <a:schemeClr val="accent1">
+                <a:shade val="50000"/>
+              </a:schemeClr>
+            </a:lnRef>
+            <a:fillRef idx="1">
+              <a:schemeClr val="accent1"/>
+            </a:fillRef>
+            <a:effectRef idx="0">
+              <a:schemeClr val="accent1"/>
+            </a:effectRef>
+            <a:fontRef idx="minor">
+              <a:schemeClr val="lt1"/>
+            </a:fontRef>
+          </p:style>
+          <p:txBody>
+            <a:bodyPr rtlCol="0" anchor="ctr"/>
+            <a:lstStyle/>
+            <a:p>
+              <a:pPr algn="ctr"/>
+              <a:endParaRPr lang="ko-KR" altLang="en-US"/>
+            </a:p>
+          </p:txBody>
+        </p:sp>
+        <p:sp>
+          <p:nvSpPr>
+            <p:cNvPr id="60" name="Oval 59"/>
+            <p:cNvSpPr/>
+            <p:nvPr/>
+          </p:nvSpPr>
+          <p:spPr>
+            <a:xfrm rot="19229300">
+              <a:off x="5779982" y="3135850"/>
+              <a:ext cx="127949" cy="230897"/>
+            </a:xfrm>
+            <a:prstGeom prst="ellipse">
+              <a:avLst/>
+            </a:prstGeom>
+            <a:solidFill>
+              <a:schemeClr val="bg1"/>
+            </a:solidFill>
+            <a:ln>
+              <a:noFill/>
+            </a:ln>
+          </p:spPr>
+          <p:style>
+            <a:lnRef idx="2">
+              <a:schemeClr val="accent1">
+                <a:shade val="50000"/>
+              </a:schemeClr>
+            </a:lnRef>
+            <a:fillRef idx="1">
+              <a:schemeClr val="accent1"/>
+            </a:fillRef>
+            <a:effectRef idx="0">
+              <a:schemeClr val="accent1"/>
+            </a:effectRef>
+            <a:fontRef idx="minor">
+              <a:schemeClr val="lt1"/>
+            </a:fontRef>
+          </p:style>
+          <p:txBody>
+            <a:bodyPr rtlCol="0" anchor="ctr"/>
+            <a:lstStyle/>
+            <a:p>
+              <a:pPr algn="ctr"/>
+              <a:endParaRPr lang="ko-KR" altLang="en-US"/>
+            </a:p>
+          </p:txBody>
+        </p:sp>
+      </p:grpSp>
+      <p:grpSp>
+        <p:nvGrpSpPr>
+          <p:cNvPr id="61" name="Group 60"/>
+          <p:cNvGrpSpPr/>
+          <p:nvPr/>
+        </p:nvGrpSpPr>
+        <p:grpSpPr>
+          <a:xfrm>
+            <a:off x="12702729" y="13197739"/>
+            <a:ext cx="1500098" cy="1569960"/>
+            <a:chOff x="3103943" y="2947152"/>
+            <a:chExt cx="3029197" cy="3104067"/>
+          </a:xfrm>
+        </p:grpSpPr>
+        <p:sp>
+          <p:nvSpPr>
+            <p:cNvPr id="62" name="Rounded Rectangle 61"/>
+            <p:cNvSpPr/>
+            <p:nvPr/>
+          </p:nvSpPr>
+          <p:spPr>
+            <a:xfrm>
+              <a:off x="3103943" y="3024756"/>
+              <a:ext cx="3029197" cy="3026463"/>
+            </a:xfrm>
+            <a:prstGeom prst="roundRect">
+              <a:avLst>
+                <a:gd name="adj" fmla="val 11628"/>
+              </a:avLst>
+            </a:prstGeom>
+            <a:solidFill>
+              <a:schemeClr val="tx2">
+                <a:lumMod val="60000"/>
+                <a:lumOff val="40000"/>
+              </a:schemeClr>
+            </a:solidFill>
+            <a:ln>
+              <a:noFill/>
+            </a:ln>
+            <a:effectLst>
+              <a:outerShdw blurRad="101600" dist="38100" dir="5400000" algn="t" rotWithShape="0">
+                <a:schemeClr val="tx1">
+                  <a:lumMod val="75000"/>
+                  <a:lumOff val="25000"/>
+                  <a:alpha val="40000"/>
+                </a:schemeClr>
+              </a:outerShdw>
+              <a:softEdge rad="12700"/>
+            </a:effectLst>
+            <a:scene3d>
+              <a:camera prst="orthographicFront"/>
+              <a:lightRig rig="threePt" dir="t"/>
+            </a:scene3d>
+            <a:sp3d>
+              <a:contourClr>
+                <a:schemeClr val="bg1"/>
+              </a:contourClr>
+            </a:sp3d>
+          </p:spPr>
+          <p:style>
+            <a:lnRef idx="2">
+              <a:schemeClr val="accent1">
+                <a:shade val="50000"/>
+              </a:schemeClr>
+            </a:lnRef>
+            <a:fillRef idx="1">
+              <a:schemeClr val="accent1"/>
+            </a:fillRef>
+            <a:effectRef idx="0">
+              <a:schemeClr val="accent1"/>
+            </a:effectRef>
+            <a:fontRef idx="minor">
+              <a:schemeClr val="lt1"/>
+            </a:fontRef>
+          </p:style>
+          <p:txBody>
+            <a:bodyPr rtlCol="0" anchor="ctr"/>
+            <a:lstStyle/>
+            <a:p>
+              <a:pPr algn="ctr"/>
+              <a:endParaRPr lang="ko-KR" altLang="en-US"/>
+            </a:p>
+          </p:txBody>
+        </p:sp>
+        <p:sp>
+          <p:nvSpPr>
+            <p:cNvPr id="63" name="Rounded Rectangle 62"/>
+            <p:cNvSpPr/>
+            <p:nvPr/>
+          </p:nvSpPr>
+          <p:spPr>
+            <a:xfrm>
+              <a:off x="3103943" y="2947152"/>
+              <a:ext cx="3029197" cy="3026463"/>
+            </a:xfrm>
+            <a:prstGeom prst="roundRect">
+              <a:avLst>
+                <a:gd name="adj" fmla="val 11628"/>
+              </a:avLst>
+            </a:prstGeom>
+            <a:solidFill>
+              <a:schemeClr val="accent1">
+                <a:lumMod val="60000"/>
+                <a:lumOff val="40000"/>
+              </a:schemeClr>
+            </a:solidFill>
+            <a:ln>
+              <a:noFill/>
+            </a:ln>
+            <a:effectLst>
+              <a:softEdge rad="12700"/>
+            </a:effectLst>
+            <a:scene3d>
+              <a:camera prst="orthographicFront"/>
+              <a:lightRig rig="threePt" dir="t"/>
+            </a:scene3d>
+            <a:sp3d>
+              <a:contourClr>
+                <a:schemeClr val="bg1"/>
+              </a:contourClr>
+            </a:sp3d>
+          </p:spPr>
+          <p:style>
+            <a:lnRef idx="2">
+              <a:schemeClr val="accent1">
+                <a:shade val="50000"/>
+              </a:schemeClr>
+            </a:lnRef>
+            <a:fillRef idx="1">
+              <a:schemeClr val="accent1"/>
+            </a:fillRef>
+            <a:effectRef idx="0">
+              <a:schemeClr val="accent1"/>
+            </a:effectRef>
+            <a:fontRef idx="minor">
+              <a:schemeClr val="lt1"/>
+            </a:fontRef>
+          </p:style>
+          <p:txBody>
+            <a:bodyPr rtlCol="0" anchor="ctr"/>
+            <a:lstStyle/>
+            <a:p>
+              <a:pPr algn="ctr"/>
+              <a:endParaRPr lang="ko-KR" altLang="en-US"/>
+            </a:p>
+          </p:txBody>
+        </p:sp>
+        <p:sp>
+          <p:nvSpPr>
+            <p:cNvPr id="64" name="Rounded Rectangle 63"/>
+            <p:cNvSpPr/>
+            <p:nvPr/>
+          </p:nvSpPr>
+          <p:spPr>
+            <a:xfrm>
+              <a:off x="3223928" y="3102357"/>
+              <a:ext cx="2789228" cy="1358028"/>
+            </a:xfrm>
+            <a:prstGeom prst="roundRect">
+              <a:avLst/>
+            </a:prstGeom>
+            <a:solidFill>
+              <a:schemeClr val="bg1">
+                <a:lumMod val="95000"/>
+                <a:alpha val="29000"/>
+              </a:schemeClr>
+            </a:solidFill>
+            <a:ln>
+              <a:noFill/>
+            </a:ln>
+          </p:spPr>
+          <p:style>
+            <a:lnRef idx="2">
+              <a:schemeClr val="accent1">
+                <a:shade val="50000"/>
+              </a:schemeClr>
+            </a:lnRef>
+            <a:fillRef idx="1">
+              <a:schemeClr val="accent1"/>
+            </a:fillRef>
+            <a:effectRef idx="0">
+              <a:schemeClr val="accent1"/>
+            </a:effectRef>
+            <a:fontRef idx="minor">
+              <a:schemeClr val="lt1"/>
+            </a:fontRef>
+          </p:style>
+          <p:txBody>
+            <a:bodyPr rtlCol="0" anchor="ctr"/>
+            <a:lstStyle/>
+            <a:p>
+              <a:pPr algn="ctr"/>
+              <a:endParaRPr lang="ko-KR" altLang="en-US"/>
+            </a:p>
+          </p:txBody>
+        </p:sp>
+        <p:sp>
+          <p:nvSpPr>
+            <p:cNvPr id="65" name="Oval 64"/>
+            <p:cNvSpPr/>
+            <p:nvPr/>
+          </p:nvSpPr>
+          <p:spPr>
+            <a:xfrm rot="19229300">
+              <a:off x="5779982" y="3135850"/>
+              <a:ext cx="127949" cy="230897"/>
+            </a:xfrm>
+            <a:prstGeom prst="ellipse">
+              <a:avLst/>
+            </a:prstGeom>
+            <a:solidFill>
+              <a:schemeClr val="bg1"/>
+            </a:solidFill>
+            <a:ln>
+              <a:noFill/>
+            </a:ln>
+          </p:spPr>
+          <p:style>
+            <a:lnRef idx="2">
+              <a:schemeClr val="accent1">
+                <a:shade val="50000"/>
+              </a:schemeClr>
+            </a:lnRef>
+            <a:fillRef idx="1">
+              <a:schemeClr val="accent1"/>
+            </a:fillRef>
+            <a:effectRef idx="0">
+              <a:schemeClr val="accent1"/>
+            </a:effectRef>
+            <a:fontRef idx="minor">
+              <a:schemeClr val="lt1"/>
+            </a:fontRef>
+          </p:style>
+          <p:txBody>
+            <a:bodyPr rtlCol="0" anchor="ctr"/>
+            <a:lstStyle/>
+            <a:p>
+              <a:pPr algn="ctr"/>
+              <a:endParaRPr lang="ko-KR" altLang="en-US"/>
+            </a:p>
+          </p:txBody>
+        </p:sp>
+      </p:grpSp>
+      <p:grpSp>
+        <p:nvGrpSpPr>
+          <p:cNvPr id="66" name="Group 65"/>
+          <p:cNvGrpSpPr/>
+          <p:nvPr/>
+        </p:nvGrpSpPr>
+        <p:grpSpPr>
+          <a:xfrm>
+            <a:off x="14574669" y="13197739"/>
+            <a:ext cx="1500098" cy="1569960"/>
+            <a:chOff x="3103943" y="2947152"/>
+            <a:chExt cx="3029197" cy="3104067"/>
+          </a:xfrm>
+        </p:grpSpPr>
+        <p:sp>
+          <p:nvSpPr>
+            <p:cNvPr id="67" name="Rounded Rectangle 66"/>
+            <p:cNvSpPr/>
+            <p:nvPr/>
+          </p:nvSpPr>
+          <p:spPr>
+            <a:xfrm>
+              <a:off x="3103943" y="3024756"/>
+              <a:ext cx="3029197" cy="3026463"/>
+            </a:xfrm>
+            <a:prstGeom prst="roundRect">
+              <a:avLst>
+                <a:gd name="adj" fmla="val 11628"/>
+              </a:avLst>
+            </a:prstGeom>
+            <a:solidFill>
+              <a:schemeClr val="tx2">
+                <a:lumMod val="60000"/>
+                <a:lumOff val="40000"/>
+              </a:schemeClr>
+            </a:solidFill>
+            <a:ln>
+              <a:noFill/>
+            </a:ln>
+            <a:effectLst>
+              <a:outerShdw blurRad="101600" dist="38100" dir="5400000" algn="t" rotWithShape="0">
+                <a:schemeClr val="tx1">
+                  <a:lumMod val="75000"/>
+                  <a:lumOff val="25000"/>
+                  <a:alpha val="40000"/>
+                </a:schemeClr>
+              </a:outerShdw>
+              <a:softEdge rad="12700"/>
+            </a:effectLst>
+            <a:scene3d>
+              <a:camera prst="orthographicFront"/>
+              <a:lightRig rig="threePt" dir="t"/>
+            </a:scene3d>
+            <a:sp3d>
+              <a:contourClr>
+                <a:schemeClr val="bg1"/>
+              </a:contourClr>
+            </a:sp3d>
+          </p:spPr>
+          <p:style>
+            <a:lnRef idx="2">
+              <a:schemeClr val="accent1">
+                <a:shade val="50000"/>
+              </a:schemeClr>
+            </a:lnRef>
+            <a:fillRef idx="1">
+              <a:schemeClr val="accent1"/>
+            </a:fillRef>
+            <a:effectRef idx="0">
+              <a:schemeClr val="accent1"/>
+            </a:effectRef>
+            <a:fontRef idx="minor">
+              <a:schemeClr val="lt1"/>
+            </a:fontRef>
+          </p:style>
+          <p:txBody>
+            <a:bodyPr rtlCol="0" anchor="ctr"/>
+            <a:lstStyle/>
+            <a:p>
+              <a:pPr algn="ctr"/>
+              <a:endParaRPr lang="ko-KR" altLang="en-US"/>
+            </a:p>
+          </p:txBody>
+        </p:sp>
+        <p:sp>
+          <p:nvSpPr>
+            <p:cNvPr id="68" name="Rounded Rectangle 67"/>
+            <p:cNvSpPr/>
+            <p:nvPr/>
+          </p:nvSpPr>
+          <p:spPr>
+            <a:xfrm>
+              <a:off x="3103943" y="2947152"/>
+              <a:ext cx="3029197" cy="3026463"/>
+            </a:xfrm>
+            <a:prstGeom prst="roundRect">
+              <a:avLst>
+                <a:gd name="adj" fmla="val 11628"/>
+              </a:avLst>
+            </a:prstGeom>
+            <a:solidFill>
+              <a:schemeClr val="accent1">
+                <a:lumMod val="60000"/>
+                <a:lumOff val="40000"/>
+              </a:schemeClr>
+            </a:solidFill>
+            <a:ln>
+              <a:noFill/>
+            </a:ln>
+            <a:effectLst>
+              <a:softEdge rad="12700"/>
+            </a:effectLst>
+            <a:scene3d>
+              <a:camera prst="orthographicFront"/>
+              <a:lightRig rig="threePt" dir="t"/>
+            </a:scene3d>
+            <a:sp3d>
+              <a:contourClr>
+                <a:schemeClr val="bg1"/>
+              </a:contourClr>
+            </a:sp3d>
+          </p:spPr>
+          <p:style>
+            <a:lnRef idx="2">
+              <a:schemeClr val="accent1">
+                <a:shade val="50000"/>
+              </a:schemeClr>
+            </a:lnRef>
+            <a:fillRef idx="1">
+              <a:schemeClr val="accent1"/>
+            </a:fillRef>
+            <a:effectRef idx="0">
+              <a:schemeClr val="accent1"/>
+            </a:effectRef>
+            <a:fontRef idx="minor">
+              <a:schemeClr val="lt1"/>
+            </a:fontRef>
+          </p:style>
+          <p:txBody>
+            <a:bodyPr rtlCol="0" anchor="ctr"/>
+            <a:lstStyle/>
+            <a:p>
+              <a:pPr algn="ctr"/>
+              <a:endParaRPr lang="ko-KR" altLang="en-US"/>
+            </a:p>
+          </p:txBody>
+        </p:sp>
+        <p:sp>
+          <p:nvSpPr>
+            <p:cNvPr id="69" name="Rounded Rectangle 68"/>
+            <p:cNvSpPr/>
+            <p:nvPr/>
+          </p:nvSpPr>
+          <p:spPr>
+            <a:xfrm>
+              <a:off x="3223928" y="3102357"/>
+              <a:ext cx="2789228" cy="1358028"/>
+            </a:xfrm>
+            <a:prstGeom prst="roundRect">
+              <a:avLst/>
+            </a:prstGeom>
+            <a:solidFill>
+              <a:schemeClr val="bg1">
+                <a:lumMod val="95000"/>
+                <a:alpha val="29000"/>
+              </a:schemeClr>
+            </a:solidFill>
+            <a:ln>
+              <a:noFill/>
+            </a:ln>
+          </p:spPr>
+          <p:style>
+            <a:lnRef idx="2">
+              <a:schemeClr val="accent1">
+                <a:shade val="50000"/>
+              </a:schemeClr>
+            </a:lnRef>
+            <a:fillRef idx="1">
+              <a:schemeClr val="accent1"/>
+            </a:fillRef>
+            <a:effectRef idx="0">
+              <a:schemeClr val="accent1"/>
+            </a:effectRef>
+            <a:fontRef idx="minor">
+              <a:schemeClr val="lt1"/>
+            </a:fontRef>
+          </p:style>
+          <p:txBody>
+            <a:bodyPr rtlCol="0" anchor="ctr"/>
+            <a:lstStyle/>
+            <a:p>
+              <a:pPr algn="ctr"/>
+              <a:endParaRPr lang="ko-KR" altLang="en-US"/>
+            </a:p>
+          </p:txBody>
+        </p:sp>
+        <p:sp>
+          <p:nvSpPr>
+            <p:cNvPr id="70" name="Oval 69"/>
+            <p:cNvSpPr/>
+            <p:nvPr/>
+          </p:nvSpPr>
+          <p:spPr>
+            <a:xfrm rot="19229300">
+              <a:off x="5779982" y="3135850"/>
+              <a:ext cx="127949" cy="230897"/>
+            </a:xfrm>
+            <a:prstGeom prst="ellipse">
+              <a:avLst/>
+            </a:prstGeom>
+            <a:solidFill>
+              <a:schemeClr val="bg1"/>
+            </a:solidFill>
+            <a:ln>
+              <a:noFill/>
+            </a:ln>
+          </p:spPr>
+          <p:style>
+            <a:lnRef idx="2">
+              <a:schemeClr val="accent1">
+                <a:shade val="50000"/>
+              </a:schemeClr>
+            </a:lnRef>
+            <a:fillRef idx="1">
+              <a:schemeClr val="accent1"/>
+            </a:fillRef>
+            <a:effectRef idx="0">
+              <a:schemeClr val="accent1"/>
+            </a:effectRef>
+            <a:fontRef idx="minor">
+              <a:schemeClr val="lt1"/>
+            </a:fontRef>
+          </p:style>
+          <p:txBody>
+            <a:bodyPr rtlCol="0" anchor="ctr"/>
+            <a:lstStyle/>
+            <a:p>
+              <a:pPr algn="ctr"/>
+              <a:endParaRPr lang="ko-KR" altLang="en-US"/>
+            </a:p>
+          </p:txBody>
+        </p:sp>
+      </p:grpSp>
+      <p:grpSp>
+        <p:nvGrpSpPr>
+          <p:cNvPr id="77" name="Group 76"/>
+          <p:cNvGrpSpPr/>
+          <p:nvPr/>
+        </p:nvGrpSpPr>
+        <p:grpSpPr>
+          <a:xfrm>
+            <a:off x="6869554" y="12229142"/>
+            <a:ext cx="9434004" cy="332017"/>
+            <a:chOff x="5293085" y="10310795"/>
+            <a:chExt cx="12415827" cy="436957"/>
+          </a:xfrm>
+        </p:grpSpPr>
+        <p:sp>
+          <p:nvSpPr>
+            <p:cNvPr id="76" name="Round Same Side Corner Rectangle 75"/>
+            <p:cNvSpPr/>
+            <p:nvPr/>
+          </p:nvSpPr>
+          <p:spPr>
+            <a:xfrm>
+              <a:off x="5293085" y="10310795"/>
+              <a:ext cx="12415827" cy="436957"/>
+            </a:xfrm>
+            <a:prstGeom prst="round2SameRect">
+              <a:avLst>
+                <a:gd name="adj1" fmla="val 50000"/>
+                <a:gd name="adj2" fmla="val 50000"/>
+              </a:avLst>
+            </a:prstGeom>
+            <a:solidFill>
+              <a:schemeClr val="bg1">
+                <a:lumMod val="95000"/>
+                <a:alpha val="50000"/>
+              </a:schemeClr>
+            </a:solidFill>
+            <a:ln>
+              <a:noFill/>
+            </a:ln>
+          </p:spPr>
+          <p:style>
+            <a:lnRef idx="2">
+              <a:schemeClr val="accent1">
+                <a:shade val="50000"/>
+              </a:schemeClr>
+            </a:lnRef>
+            <a:fillRef idx="1">
+              <a:schemeClr val="accent1"/>
+            </a:fillRef>
+            <a:effectRef idx="0">
+              <a:schemeClr val="accent1"/>
+            </a:effectRef>
+            <a:fontRef idx="minor">
+              <a:schemeClr val="lt1"/>
+            </a:fontRef>
+          </p:style>
+          <p:txBody>
+            <a:bodyPr rtlCol="0" anchor="ctr"/>
+            <a:lstStyle/>
+            <a:p>
+              <a:pPr algn="ctr"/>
+              <a:endParaRPr lang="ko-KR" altLang="en-US"/>
+            </a:p>
+          </p:txBody>
+        </p:sp>
+        <p:sp>
+          <p:nvSpPr>
+            <p:cNvPr id="72" name="Oval 71"/>
+            <p:cNvSpPr/>
+            <p:nvPr/>
+          </p:nvSpPr>
+          <p:spPr>
+            <a:xfrm rot="19229300">
+              <a:off x="17557520" y="10311379"/>
+              <a:ext cx="81199" cy="221076"/>
+            </a:xfrm>
+            <a:prstGeom prst="ellipse">
+              <a:avLst/>
+            </a:prstGeom>
+            <a:solidFill>
+              <a:schemeClr val="bg1"/>
+            </a:solidFill>
+            <a:ln>
+              <a:noFill/>
+            </a:ln>
+          </p:spPr>
+          <p:style>
+            <a:lnRef idx="2">
+              <a:schemeClr val="accent1">
+                <a:shade val="50000"/>
+              </a:schemeClr>
+            </a:lnRef>
+            <a:fillRef idx="1">
+              <a:schemeClr val="accent1"/>
+            </a:fillRef>
+            <a:effectRef idx="0">
+              <a:schemeClr val="accent1"/>
+            </a:effectRef>
+            <a:fontRef idx="minor">
+              <a:schemeClr val="lt1"/>
+            </a:fontRef>
+          </p:style>
+          <p:txBody>
+            <a:bodyPr rtlCol="0" anchor="ctr"/>
+            <a:lstStyle/>
+            <a:p>
+              <a:pPr algn="ctr"/>
+              <a:endParaRPr lang="ko-KR" altLang="en-US"/>
+            </a:p>
+          </p:txBody>
+        </p:sp>
+      </p:grpSp>
+      <p:sp>
+        <p:nvSpPr>
+          <p:cNvPr id="166" name="TextBox 165"/>
+          <p:cNvSpPr txBox="1"/>
+          <p:nvPr/>
+        </p:nvSpPr>
+        <p:spPr>
+          <a:xfrm>
+            <a:off x="10273408" y="12237851"/>
+            <a:ext cx="2626293" cy="444335"/>
+          </a:xfrm>
+          <a:prstGeom prst="rect">
+            <a:avLst/>
+          </a:prstGeom>
+          <a:noFill/>
+        </p:spPr>
+        <p:txBody>
+          <a:bodyPr wrap="square" rtlCol="0">
+            <a:spAutoFit/>
+          </a:bodyPr>
+          <a:lstStyle/>
+          <a:p>
+            <a:pPr algn="ctr"/>
+            <a:r>
+              <a:rPr lang="en-US" altLang="ko-KR" sz="3200" b="1" dirty="0" smtClean="0"/>
+              <a:t>My Deck</a:t>
+            </a:r>
+            <a:endParaRPr lang="ko-KR" altLang="en-US" sz="3200" b="1" dirty="0"/>
+          </a:p>
+        </p:txBody>
+      </p:sp>
+      <p:grpSp>
+        <p:nvGrpSpPr>
+          <p:cNvPr id="176" name="Group 175"/>
+          <p:cNvGrpSpPr/>
+          <p:nvPr/>
+        </p:nvGrpSpPr>
+        <p:grpSpPr>
+          <a:xfrm>
+            <a:off x="17750458" y="8747849"/>
+            <a:ext cx="6370494" cy="6370494"/>
+            <a:chOff x="18652104" y="9649495"/>
+            <a:chExt cx="5468848" cy="5468848"/>
+          </a:xfrm>
+        </p:grpSpPr>
+        <p:grpSp>
+          <p:nvGrpSpPr>
+            <p:cNvPr id="167" name="Group 166"/>
+            <p:cNvGrpSpPr/>
+            <p:nvPr/>
+          </p:nvGrpSpPr>
+          <p:grpSpPr>
+            <a:xfrm>
+              <a:off x="18652104" y="9649495"/>
+              <a:ext cx="5468848" cy="5468848"/>
+              <a:chOff x="-51205" y="9865518"/>
+              <a:chExt cx="5339909" cy="5339909"/>
+            </a:xfrm>
+          </p:grpSpPr>
+          <p:sp>
+            <p:nvSpPr>
+              <p:cNvPr id="168" name="Round Same Side Corner Rectangle 167"/>
+              <p:cNvSpPr>
+                <a:spLocks noChangeAspect="1"/>
+              </p:cNvSpPr>
+              <p:nvPr/>
+            </p:nvSpPr>
+            <p:spPr>
+              <a:xfrm>
+                <a:off x="-51205" y="9865518"/>
+                <a:ext cx="5339909" cy="5339909"/>
+              </a:xfrm>
+              <a:prstGeom prst="round2SameRect">
+                <a:avLst>
+                  <a:gd name="adj1" fmla="val 8010"/>
+                  <a:gd name="adj2" fmla="val 0"/>
+                </a:avLst>
+              </a:prstGeom>
+              <a:solidFill>
+                <a:schemeClr val="bg1">
+                  <a:lumMod val="65000"/>
+                </a:schemeClr>
+              </a:solidFill>
+              <a:ln w="127000" cap="rnd" cmpd="sng">
+                <a:noFill/>
+                <a:prstDash val="solid"/>
+                <a:bevel/>
+              </a:ln>
+              <a:effectLst>
+                <a:softEdge rad="0"/>
+              </a:effectLst>
+            </p:spPr>
+            <p:style>
+              <a:lnRef idx="2">
+                <a:schemeClr val="accent1">
+                  <a:shade val="50000"/>
+                </a:schemeClr>
+              </a:lnRef>
+              <a:fillRef idx="1">
+                <a:schemeClr val="accent1"/>
+              </a:fillRef>
+              <a:effectRef idx="0">
+                <a:schemeClr val="accent1"/>
+              </a:effectRef>
+              <a:fontRef idx="minor">
+                <a:schemeClr val="lt1"/>
+              </a:fontRef>
+            </p:style>
+            <p:txBody>
+              <a:bodyPr rtlCol="0" anchor="ctr"/>
+              <a:lstStyle/>
+              <a:p>
+                <a:pPr algn="ctr"/>
+                <a:endParaRPr lang="ko-KR" altLang="en-US"/>
+              </a:p>
+            </p:txBody>
+          </p:sp>
+          <p:sp>
+            <p:nvSpPr>
+              <p:cNvPr id="169" name="Round Same Side Corner Rectangle 168"/>
+              <p:cNvSpPr/>
+              <p:nvPr/>
+            </p:nvSpPr>
+            <p:spPr>
+              <a:xfrm>
+                <a:off x="131295" y="10004037"/>
+                <a:ext cx="4974909" cy="324864"/>
+              </a:xfrm>
+              <a:prstGeom prst="round2SameRect">
+                <a:avLst>
+                  <a:gd name="adj1" fmla="val 50000"/>
+                  <a:gd name="adj2" fmla="val 50000"/>
+                </a:avLst>
+              </a:prstGeom>
+              <a:solidFill>
+                <a:schemeClr val="bg1">
+                  <a:lumMod val="95000"/>
+                  <a:alpha val="50000"/>
+                </a:schemeClr>
+              </a:solidFill>
+              <a:ln>
+                <a:noFill/>
+              </a:ln>
+            </p:spPr>
+            <p:style>
+              <a:lnRef idx="2">
+                <a:schemeClr val="accent1">
+                  <a:shade val="50000"/>
+                </a:schemeClr>
+              </a:lnRef>
+              <a:fillRef idx="1">
+                <a:schemeClr val="accent1"/>
+              </a:fillRef>
+              <a:effectRef idx="0">
+                <a:schemeClr val="accent1"/>
+              </a:effectRef>
+              <a:fontRef idx="minor">
+                <a:schemeClr val="lt1"/>
+              </a:fontRef>
+            </p:style>
+            <p:txBody>
+              <a:bodyPr rtlCol="0" anchor="ctr"/>
+              <a:lstStyle/>
+              <a:p>
+                <a:pPr algn="ctr"/>
+                <a:endParaRPr lang="ko-KR" altLang="en-US"/>
+              </a:p>
+            </p:txBody>
+          </p:sp>
+          <p:sp>
+            <p:nvSpPr>
+              <p:cNvPr id="170" name="Oval 169"/>
+              <p:cNvSpPr/>
+              <p:nvPr/>
+            </p:nvSpPr>
+            <p:spPr>
+              <a:xfrm rot="19229300">
+                <a:off x="4971848" y="10007442"/>
+                <a:ext cx="81199" cy="196259"/>
+              </a:xfrm>
+              <a:prstGeom prst="ellipse">
+                <a:avLst/>
+              </a:prstGeom>
+              <a:solidFill>
+                <a:schemeClr val="bg1"/>
+              </a:solidFill>
+              <a:ln>
+                <a:noFill/>
+              </a:ln>
+            </p:spPr>
+            <p:style>
+              <a:lnRef idx="2">
+                <a:schemeClr val="accent1">
+                  <a:shade val="50000"/>
+                </a:schemeClr>
+              </a:lnRef>
+              <a:fillRef idx="1">
+                <a:schemeClr val="accent1"/>
+              </a:fillRef>
+              <a:effectRef idx="0">
+                <a:schemeClr val="accent1"/>
+              </a:effectRef>
+              <a:fontRef idx="minor">
+                <a:schemeClr val="lt1"/>
+              </a:fontRef>
+            </p:style>
+            <p:txBody>
+              <a:bodyPr rtlCol="0" anchor="ctr"/>
+              <a:lstStyle/>
+              <a:p>
+                <a:pPr algn="ctr"/>
+                <a:endParaRPr lang="ko-KR" altLang="en-US"/>
+              </a:p>
+            </p:txBody>
+          </p:sp>
+          <p:sp>
+            <p:nvSpPr>
+              <p:cNvPr id="171" name="Round Same Side Corner Rectangle 170"/>
+              <p:cNvSpPr>
+                <a:spLocks/>
+              </p:cNvSpPr>
+              <p:nvPr/>
+            </p:nvSpPr>
+            <p:spPr>
+              <a:xfrm>
+                <a:off x="185177" y="10657606"/>
+                <a:ext cx="4881152" cy="4547821"/>
+              </a:xfrm>
+              <a:prstGeom prst="round2SameRect">
+                <a:avLst>
+                  <a:gd name="adj1" fmla="val 4778"/>
+                  <a:gd name="adj2" fmla="val 0"/>
+                </a:avLst>
+              </a:prstGeom>
+              <a:solidFill>
+                <a:schemeClr val="bg1">
+                  <a:lumMod val="95000"/>
+                </a:schemeClr>
+              </a:solidFill>
+              <a:ln w="127000" cap="rnd" cmpd="sng">
+                <a:noFill/>
+                <a:prstDash val="solid"/>
+                <a:bevel/>
+              </a:ln>
+              <a:effectLst>
+                <a:softEdge rad="0"/>
+              </a:effectLst>
+            </p:spPr>
+            <p:style>
+              <a:lnRef idx="2">
+                <a:schemeClr val="accent1">
+                  <a:shade val="50000"/>
+                </a:schemeClr>
+              </a:lnRef>
+              <a:fillRef idx="1">
+                <a:schemeClr val="accent1"/>
+              </a:fillRef>
+              <a:effectRef idx="0">
+                <a:schemeClr val="accent1"/>
+              </a:effectRef>
+              <a:fontRef idx="minor">
+                <a:schemeClr val="lt1"/>
+              </a:fontRef>
+            </p:style>
+            <p:txBody>
+              <a:bodyPr rtlCol="0" anchor="ctr"/>
+              <a:lstStyle/>
+              <a:p>
+                <a:pPr algn="ctr"/>
+                <a:endParaRPr lang="ko-KR" altLang="en-US"/>
+              </a:p>
+            </p:txBody>
+          </p:sp>
+          <p:sp>
+            <p:nvSpPr>
+              <p:cNvPr id="172" name="Rounded Rectangle 171"/>
+              <p:cNvSpPr/>
+              <p:nvPr/>
+            </p:nvSpPr>
+            <p:spPr>
+              <a:xfrm>
+                <a:off x="405805" y="10978776"/>
+                <a:ext cx="1889590" cy="920011"/>
+              </a:xfrm>
+              <a:prstGeom prst="roundRect">
+                <a:avLst/>
+              </a:prstGeom>
+              <a:solidFill>
+                <a:schemeClr val="bg1">
+                  <a:lumMod val="95000"/>
+                  <a:alpha val="29000"/>
+                </a:schemeClr>
+              </a:solidFill>
+              <a:ln>
+                <a:noFill/>
+              </a:ln>
+            </p:spPr>
+            <p:style>
+              <a:lnRef idx="2">
+                <a:schemeClr val="accent1">
+                  <a:shade val="50000"/>
+                </a:schemeClr>
+              </a:lnRef>
+              <a:fillRef idx="1">
+                <a:schemeClr val="accent1"/>
+              </a:fillRef>
+              <a:effectRef idx="0">
+                <a:schemeClr val="accent1"/>
+              </a:effectRef>
+              <a:fontRef idx="minor">
+                <a:schemeClr val="lt1"/>
+              </a:fontRef>
+            </p:style>
+            <p:txBody>
+              <a:bodyPr rtlCol="0" anchor="ctr"/>
+              <a:lstStyle/>
+              <a:p>
+                <a:pPr algn="ctr"/>
+                <a:endParaRPr lang="ko-KR" altLang="en-US"/>
+              </a:p>
+            </p:txBody>
+          </p:sp>
+        </p:grpSp>
+        <p:sp>
+          <p:nvSpPr>
+            <p:cNvPr id="173" name="TextBox 172"/>
+            <p:cNvSpPr txBox="1"/>
+            <p:nvPr/>
+          </p:nvSpPr>
+          <p:spPr>
+            <a:xfrm>
+              <a:off x="20358524" y="9854719"/>
+              <a:ext cx="2064907" cy="523220"/>
+            </a:xfrm>
+            <a:prstGeom prst="rect">
+              <a:avLst/>
+            </a:prstGeom>
+            <a:noFill/>
+          </p:spPr>
+          <p:txBody>
+            <a:bodyPr wrap="square" rtlCol="0">
+              <a:spAutoFit/>
+            </a:bodyPr>
+            <a:lstStyle/>
+            <a:p>
+              <a:pPr algn="ctr"/>
+              <a:r>
+                <a:rPr lang="en-US" altLang="ko-KR" sz="2800" b="1" dirty="0" smtClean="0"/>
+                <a:t>Mini Map</a:t>
+              </a:r>
+              <a:endParaRPr lang="ko-KR" altLang="en-US" sz="2800" b="1" dirty="0"/>
+            </a:p>
+          </p:txBody>
+        </p:sp>
+      </p:grpSp>
+      <p:sp>
+        <p:nvSpPr>
+          <p:cNvPr id="177" name="Rectangle 176"/>
+          <p:cNvSpPr/>
+          <p:nvPr/>
+        </p:nvSpPr>
+        <p:spPr>
+          <a:xfrm>
+            <a:off x="4695125" y="14978086"/>
+            <a:ext cx="2038108" cy="144439"/>
+          </a:xfrm>
+          <a:prstGeom prst="rect">
+            <a:avLst/>
+          </a:prstGeom>
+          <a:solidFill>
+            <a:schemeClr val="bg1">
+              <a:lumMod val="65000"/>
+            </a:schemeClr>
+          </a:solidFill>
+          <a:ln>
+            <a:noFill/>
+          </a:ln>
+        </p:spPr>
+        <p:style>
+          <a:lnRef idx="2">
+            <a:schemeClr val="accent1">
+              <a:shade val="50000"/>
+            </a:schemeClr>
+          </a:lnRef>
+          <a:fillRef idx="1">
+            <a:schemeClr val="accent1"/>
+          </a:fillRef>
+          <a:effectRef idx="0">
+            <a:schemeClr val="accent1"/>
+          </a:effectRef>
+          <a:fontRef idx="minor">
+            <a:schemeClr val="lt1"/>
+          </a:fontRef>
+        </p:style>
+        <p:txBody>
+          <a:bodyPr rtlCol="0" anchor="ctr"/>
+          <a:lstStyle/>
+          <a:p>
+            <a:pPr algn="ctr"/>
+            <a:endParaRPr lang="ko-KR" altLang="en-US"/>
+          </a:p>
+        </p:txBody>
+      </p:sp>
+      <p:sp>
+        <p:nvSpPr>
+          <p:cNvPr id="178" name="Rectangle 177"/>
+          <p:cNvSpPr/>
+          <p:nvPr/>
+        </p:nvSpPr>
+        <p:spPr>
+          <a:xfrm>
+            <a:off x="16321748" y="14973904"/>
+            <a:ext cx="1428709" cy="144439"/>
+          </a:xfrm>
+          <a:prstGeom prst="rect">
+            <a:avLst/>
+          </a:prstGeom>
+          <a:solidFill>
+            <a:schemeClr val="bg1">
+              <a:lumMod val="65000"/>
+            </a:schemeClr>
+          </a:solidFill>
+          <a:ln>
+            <a:noFill/>
+          </a:ln>
+        </p:spPr>
+        <p:style>
+          <a:lnRef idx="2">
+            <a:schemeClr val="accent1">
+              <a:shade val="50000"/>
+            </a:schemeClr>
+          </a:lnRef>
+          <a:fillRef idx="1">
+            <a:schemeClr val="accent1"/>
+          </a:fillRef>
+          <a:effectRef idx="0">
+            <a:schemeClr val="accent1"/>
+          </a:effectRef>
+          <a:fontRef idx="minor">
+            <a:schemeClr val="lt1"/>
+          </a:fontRef>
+        </p:style>
+        <p:txBody>
+          <a:bodyPr rtlCol="0" anchor="ctr"/>
+          <a:lstStyle/>
+          <a:p>
+            <a:pPr algn="ctr"/>
+            <a:endParaRPr lang="ko-KR" altLang="en-US"/>
+          </a:p>
+        </p:txBody>
+      </p:sp>
     </p:spTree>
     <p:extLst>
       <p:ext uri="{BB962C8B-B14F-4D97-AF65-F5344CB8AC3E}">

--- a/기획문서/UI.pptx
+++ b/기획문서/UI.pptx
@@ -198,7 +198,7 @@
           <a:p>
             <a:fld id="{D5B3D382-BA18-47F4-BD86-E894B4DFE9BE}" type="datetimeFigureOut">
               <a:rPr lang="ko-KR" altLang="en-US" smtClean="0"/>
-              <a:t>2016-04-22</a:t>
+              <a:t>2016-04-26</a:t>
             </a:fld>
             <a:endParaRPr lang="ko-KR" altLang="en-US"/>
           </a:p>
@@ -899,7 +899,7 @@
           <a:p>
             <a:fld id="{79BB124B-F906-483B-ACF5-0CC29D8DBA7D}" type="datetimeFigureOut">
               <a:rPr lang="ko-KR" altLang="en-US" smtClean="0"/>
-              <a:t>2016-04-22</a:t>
+              <a:t>2016-04-26</a:t>
             </a:fld>
             <a:endParaRPr lang="ko-KR" altLang="en-US"/>
           </a:p>
@@ -1069,7 +1069,7 @@
           <a:p>
             <a:fld id="{79BB124B-F906-483B-ACF5-0CC29D8DBA7D}" type="datetimeFigureOut">
               <a:rPr lang="ko-KR" altLang="en-US" smtClean="0"/>
-              <a:t>2016-04-22</a:t>
+              <a:t>2016-04-26</a:t>
             </a:fld>
             <a:endParaRPr lang="ko-KR" altLang="en-US"/>
           </a:p>
@@ -1249,7 +1249,7 @@
           <a:p>
             <a:fld id="{79BB124B-F906-483B-ACF5-0CC29D8DBA7D}" type="datetimeFigureOut">
               <a:rPr lang="ko-KR" altLang="en-US" smtClean="0"/>
-              <a:t>2016-04-22</a:t>
+              <a:t>2016-04-26</a:t>
             </a:fld>
             <a:endParaRPr lang="ko-KR" altLang="en-US"/>
           </a:p>
@@ -1419,7 +1419,7 @@
           <a:p>
             <a:fld id="{79BB124B-F906-483B-ACF5-0CC29D8DBA7D}" type="datetimeFigureOut">
               <a:rPr lang="ko-KR" altLang="en-US" smtClean="0"/>
-              <a:t>2016-04-22</a:t>
+              <a:t>2016-04-26</a:t>
             </a:fld>
             <a:endParaRPr lang="ko-KR" altLang="en-US"/>
           </a:p>
@@ -1665,7 +1665,7 @@
           <a:p>
             <a:fld id="{79BB124B-F906-483B-ACF5-0CC29D8DBA7D}" type="datetimeFigureOut">
               <a:rPr lang="ko-KR" altLang="en-US" smtClean="0"/>
-              <a:t>2016-04-22</a:t>
+              <a:t>2016-04-26</a:t>
             </a:fld>
             <a:endParaRPr lang="ko-KR" altLang="en-US"/>
           </a:p>
@@ -1953,7 +1953,7 @@
           <a:p>
             <a:fld id="{79BB124B-F906-483B-ACF5-0CC29D8DBA7D}" type="datetimeFigureOut">
               <a:rPr lang="ko-KR" altLang="en-US" smtClean="0"/>
-              <a:t>2016-04-22</a:t>
+              <a:t>2016-04-26</a:t>
             </a:fld>
             <a:endParaRPr lang="ko-KR" altLang="en-US"/>
           </a:p>
@@ -2380,7 +2380,7 @@
           <a:p>
             <a:fld id="{79BB124B-F906-483B-ACF5-0CC29D8DBA7D}" type="datetimeFigureOut">
               <a:rPr lang="ko-KR" altLang="en-US" smtClean="0"/>
-              <a:t>2016-04-22</a:t>
+              <a:t>2016-04-26</a:t>
             </a:fld>
             <a:endParaRPr lang="ko-KR" altLang="en-US"/>
           </a:p>
@@ -2498,7 +2498,7 @@
           <a:p>
             <a:fld id="{79BB124B-F906-483B-ACF5-0CC29D8DBA7D}" type="datetimeFigureOut">
               <a:rPr lang="ko-KR" altLang="en-US" smtClean="0"/>
-              <a:t>2016-04-22</a:t>
+              <a:t>2016-04-26</a:t>
             </a:fld>
             <a:endParaRPr lang="ko-KR" altLang="en-US"/>
           </a:p>
@@ -2593,7 +2593,7 @@
           <a:p>
             <a:fld id="{79BB124B-F906-483B-ACF5-0CC29D8DBA7D}" type="datetimeFigureOut">
               <a:rPr lang="ko-KR" altLang="en-US" smtClean="0"/>
-              <a:t>2016-04-22</a:t>
+              <a:t>2016-04-26</a:t>
             </a:fld>
             <a:endParaRPr lang="ko-KR" altLang="en-US"/>
           </a:p>
@@ -2870,7 +2870,7 @@
           <a:p>
             <a:fld id="{79BB124B-F906-483B-ACF5-0CC29D8DBA7D}" type="datetimeFigureOut">
               <a:rPr lang="ko-KR" altLang="en-US" smtClean="0"/>
-              <a:t>2016-04-22</a:t>
+              <a:t>2016-04-26</a:t>
             </a:fld>
             <a:endParaRPr lang="ko-KR" altLang="en-US"/>
           </a:p>
@@ -3123,7 +3123,7 @@
           <a:p>
             <a:fld id="{79BB124B-F906-483B-ACF5-0CC29D8DBA7D}" type="datetimeFigureOut">
               <a:rPr lang="ko-KR" altLang="en-US" smtClean="0"/>
-              <a:t>2016-04-22</a:t>
+              <a:t>2016-04-26</a:t>
             </a:fld>
             <a:endParaRPr lang="ko-KR" altLang="en-US"/>
           </a:p>
@@ -3336,7 +3336,7 @@
           <a:p>
             <a:fld id="{79BB124B-F906-483B-ACF5-0CC29D8DBA7D}" type="datetimeFigureOut">
               <a:rPr lang="ko-KR" altLang="en-US" smtClean="0"/>
-              <a:t>2016-04-22</a:t>
+              <a:t>2016-04-26</a:t>
             </a:fld>
             <a:endParaRPr lang="ko-KR" altLang="en-US"/>
           </a:p>
@@ -13753,11 +13753,11 @@
           <p:nvPr/>
         </p:nvGrpSpPr>
         <p:grpSpPr>
-          <a:xfrm>
-            <a:off x="11050843" y="231258"/>
-            <a:ext cx="9879531" cy="3009616"/>
+          <a:xfrm rot="10800000">
+            <a:off x="7525321" y="4913156"/>
+            <a:ext cx="12892303" cy="1462354"/>
             <a:chOff x="11050843" y="231258"/>
-            <a:chExt cx="9879531" cy="3009616"/>
+            <a:chExt cx="9879531" cy="3016834"/>
           </a:xfrm>
         </p:grpSpPr>
         <p:sp>
@@ -13824,12 +13824,12 @@
           </p:nvSpPr>
           <p:spPr>
             <a:xfrm>
-              <a:off x="11273606" y="942546"/>
-              <a:ext cx="9434004" cy="2298327"/>
+              <a:off x="11218506" y="756101"/>
+              <a:ext cx="9544206" cy="2491991"/>
             </a:xfrm>
             <a:prstGeom prst="round2SameRect">
               <a:avLst>
-                <a:gd name="adj1" fmla="val 5750"/>
+                <a:gd name="adj1" fmla="val 8024"/>
                 <a:gd name="adj2" fmla="val 0"/>
               </a:avLst>
             </a:prstGeom>
@@ -13869,150 +13869,6 @@
             <a:p>
               <a:pPr algn="ctr"/>
               <a:endParaRPr lang="ko-KR" altLang="en-US"/>
-            </a:p>
-          </p:txBody>
-        </p:sp>
-        <p:grpSp>
-          <p:nvGrpSpPr>
-            <p:cNvPr id="76" name="Group 75"/>
-            <p:cNvGrpSpPr/>
-            <p:nvPr/>
-          </p:nvGrpSpPr>
-          <p:grpSpPr>
-            <a:xfrm>
-              <a:off x="11273607" y="347914"/>
-              <a:ext cx="9434004" cy="332017"/>
-              <a:chOff x="5293085" y="10310795"/>
-              <a:chExt cx="12415827" cy="436957"/>
-            </a:xfrm>
-          </p:grpSpPr>
-          <p:sp>
-            <p:nvSpPr>
-              <p:cNvPr id="77" name="Round Same Side Corner Rectangle 76"/>
-              <p:cNvSpPr/>
-              <p:nvPr/>
-            </p:nvSpPr>
-            <p:spPr>
-              <a:xfrm>
-                <a:off x="5293085" y="10310795"/>
-                <a:ext cx="12415827" cy="436957"/>
-              </a:xfrm>
-              <a:prstGeom prst="round2SameRect">
-                <a:avLst>
-                  <a:gd name="adj1" fmla="val 50000"/>
-                  <a:gd name="adj2" fmla="val 50000"/>
-                </a:avLst>
-              </a:prstGeom>
-              <a:solidFill>
-                <a:schemeClr val="bg1">
-                  <a:lumMod val="95000"/>
-                  <a:alpha val="50000"/>
-                </a:schemeClr>
-              </a:solidFill>
-              <a:ln>
-                <a:noFill/>
-              </a:ln>
-            </p:spPr>
-            <p:style>
-              <a:lnRef idx="2">
-                <a:schemeClr val="accent1">
-                  <a:shade val="50000"/>
-                </a:schemeClr>
-              </a:lnRef>
-              <a:fillRef idx="1">
-                <a:schemeClr val="accent1"/>
-              </a:fillRef>
-              <a:effectRef idx="0">
-                <a:schemeClr val="accent1"/>
-              </a:effectRef>
-              <a:fontRef idx="minor">
-                <a:schemeClr val="lt1"/>
-              </a:fontRef>
-            </p:style>
-            <p:txBody>
-              <a:bodyPr rtlCol="0" anchor="ctr"/>
-              <a:lstStyle/>
-              <a:p>
-                <a:pPr algn="ctr"/>
-                <a:endParaRPr lang="ko-KR" altLang="en-US"/>
-              </a:p>
-            </p:txBody>
-          </p:sp>
-          <p:sp>
-            <p:nvSpPr>
-              <p:cNvPr id="78" name="Oval 77"/>
-              <p:cNvSpPr/>
-              <p:nvPr/>
-            </p:nvSpPr>
-            <p:spPr>
-              <a:xfrm rot="19229300">
-                <a:off x="17557520" y="10311379"/>
-                <a:ext cx="81199" cy="221076"/>
-              </a:xfrm>
-              <a:prstGeom prst="ellipse">
-                <a:avLst/>
-              </a:prstGeom>
-              <a:solidFill>
-                <a:schemeClr val="bg1"/>
-              </a:solidFill>
-              <a:ln>
-                <a:noFill/>
-              </a:ln>
-            </p:spPr>
-            <p:style>
-              <a:lnRef idx="2">
-                <a:schemeClr val="accent1">
-                  <a:shade val="50000"/>
-                </a:schemeClr>
-              </a:lnRef>
-              <a:fillRef idx="1">
-                <a:schemeClr val="accent1"/>
-              </a:fillRef>
-              <a:effectRef idx="0">
-                <a:schemeClr val="accent1"/>
-              </a:effectRef>
-              <a:fontRef idx="minor">
-                <a:schemeClr val="lt1"/>
-              </a:fontRef>
-            </p:style>
-            <p:txBody>
-              <a:bodyPr rtlCol="0" anchor="ctr"/>
-              <a:lstStyle/>
-              <a:p>
-                <a:pPr algn="ctr"/>
-                <a:endParaRPr lang="ko-KR" altLang="en-US"/>
-              </a:p>
-            </p:txBody>
-          </p:sp>
-        </p:grpSp>
-        <p:sp>
-          <p:nvSpPr>
-            <p:cNvPr id="79" name="TextBox 78"/>
-            <p:cNvSpPr txBox="1"/>
-            <p:nvPr/>
-          </p:nvSpPr>
-          <p:spPr>
-            <a:xfrm>
-              <a:off x="14677461" y="356623"/>
-              <a:ext cx="2626293" cy="444335"/>
-            </a:xfrm>
-            <a:prstGeom prst="rect">
-              <a:avLst/>
-            </a:prstGeom>
-            <a:noFill/>
-          </p:spPr>
-          <p:txBody>
-            <a:bodyPr wrap="square" rtlCol="0">
-              <a:spAutoFit/>
-            </a:bodyPr>
-            <a:lstStyle/>
-            <a:p>
-              <a:pPr algn="ctr"/>
-              <a:r>
-                <a:rPr lang="en-US" altLang="ko-KR" sz="3200" b="1" dirty="0" smtClean="0"/>
-                <a:t>My Deck</a:t>
-              </a:r>
-              <a:endParaRPr lang="ko-KR" altLang="en-US" sz="3200" b="1" dirty="0"/>
             </a:p>
           </p:txBody>
         </p:sp>

--- a/기획문서/UI.pptx
+++ b/기획문서/UI.pptx
@@ -11156,6 +11156,361 @@
           </p:txBody>
         </p:sp>
       </p:grpSp>
+      <p:grpSp>
+        <p:nvGrpSpPr>
+          <p:cNvPr id="26" name="Group 25"/>
+          <p:cNvGrpSpPr/>
+          <p:nvPr/>
+        </p:nvGrpSpPr>
+        <p:grpSpPr>
+          <a:xfrm>
+            <a:off x="7142045" y="12971693"/>
+            <a:ext cx="1822467" cy="1867514"/>
+            <a:chOff x="3103941" y="2947155"/>
+            <a:chExt cx="3029196" cy="3104070"/>
+          </a:xfrm>
+        </p:grpSpPr>
+        <p:sp>
+          <p:nvSpPr>
+            <p:cNvPr id="28" name="Rounded Rectangle 27"/>
+            <p:cNvSpPr/>
+            <p:nvPr/>
+          </p:nvSpPr>
+          <p:spPr>
+            <a:xfrm>
+              <a:off x="3103941" y="3024758"/>
+              <a:ext cx="3029195" cy="3026467"/>
+            </a:xfrm>
+            <a:prstGeom prst="roundRect">
+              <a:avLst>
+                <a:gd name="adj" fmla="val 11628"/>
+              </a:avLst>
+            </a:prstGeom>
+            <a:solidFill>
+              <a:schemeClr val="tx2">
+                <a:lumMod val="60000"/>
+                <a:lumOff val="40000"/>
+              </a:schemeClr>
+            </a:solidFill>
+            <a:ln>
+              <a:noFill/>
+            </a:ln>
+            <a:effectLst>
+              <a:outerShdw blurRad="101600" dist="38100" dir="5400000" algn="t" rotWithShape="0">
+                <a:schemeClr val="tx1">
+                  <a:lumMod val="75000"/>
+                  <a:lumOff val="25000"/>
+                  <a:alpha val="40000"/>
+                </a:schemeClr>
+              </a:outerShdw>
+              <a:softEdge rad="12700"/>
+            </a:effectLst>
+            <a:scene3d>
+              <a:camera prst="orthographicFront"/>
+              <a:lightRig rig="threePt" dir="t"/>
+            </a:scene3d>
+            <a:sp3d>
+              <a:contourClr>
+                <a:schemeClr val="bg1"/>
+              </a:contourClr>
+            </a:sp3d>
+          </p:spPr>
+          <p:style>
+            <a:lnRef idx="2">
+              <a:schemeClr val="accent1">
+                <a:shade val="50000"/>
+              </a:schemeClr>
+            </a:lnRef>
+            <a:fillRef idx="1">
+              <a:schemeClr val="accent1"/>
+            </a:fillRef>
+            <a:effectRef idx="0">
+              <a:schemeClr val="accent1"/>
+            </a:effectRef>
+            <a:fontRef idx="minor">
+              <a:schemeClr val="lt1"/>
+            </a:fontRef>
+          </p:style>
+          <p:txBody>
+            <a:bodyPr rtlCol="0" anchor="ctr"/>
+            <a:lstStyle/>
+            <a:p>
+              <a:pPr algn="ctr"/>
+              <a:endParaRPr lang="ko-KR" altLang="en-US"/>
+            </a:p>
+          </p:txBody>
+        </p:sp>
+        <p:sp>
+          <p:nvSpPr>
+            <p:cNvPr id="29" name="Rounded Rectangle 28"/>
+            <p:cNvSpPr/>
+            <p:nvPr/>
+          </p:nvSpPr>
+          <p:spPr>
+            <a:xfrm>
+              <a:off x="3103942" y="2947155"/>
+              <a:ext cx="3029195" cy="3026467"/>
+            </a:xfrm>
+            <a:prstGeom prst="roundRect">
+              <a:avLst>
+                <a:gd name="adj" fmla="val 11628"/>
+              </a:avLst>
+            </a:prstGeom>
+            <a:solidFill>
+              <a:schemeClr val="accent1">
+                <a:lumMod val="60000"/>
+                <a:lumOff val="40000"/>
+              </a:schemeClr>
+            </a:solidFill>
+            <a:ln>
+              <a:noFill/>
+            </a:ln>
+            <a:effectLst>
+              <a:softEdge rad="12700"/>
+            </a:effectLst>
+            <a:scene3d>
+              <a:camera prst="orthographicFront"/>
+              <a:lightRig rig="threePt" dir="t"/>
+            </a:scene3d>
+            <a:sp3d>
+              <a:contourClr>
+                <a:schemeClr val="bg1"/>
+              </a:contourClr>
+            </a:sp3d>
+          </p:spPr>
+          <p:style>
+            <a:lnRef idx="2">
+              <a:schemeClr val="accent1">
+                <a:shade val="50000"/>
+              </a:schemeClr>
+            </a:lnRef>
+            <a:fillRef idx="1">
+              <a:schemeClr val="accent1"/>
+            </a:fillRef>
+            <a:effectRef idx="0">
+              <a:schemeClr val="accent1"/>
+            </a:effectRef>
+            <a:fontRef idx="minor">
+              <a:schemeClr val="lt1"/>
+            </a:fontRef>
+          </p:style>
+          <p:txBody>
+            <a:bodyPr rtlCol="0" anchor="ctr"/>
+            <a:lstStyle/>
+            <a:p>
+              <a:pPr algn="ctr"/>
+              <a:endParaRPr lang="ko-KR" altLang="en-US"/>
+            </a:p>
+          </p:txBody>
+        </p:sp>
+        <p:sp>
+          <p:nvSpPr>
+            <p:cNvPr id="30" name="Rounded Rectangle 29"/>
+            <p:cNvSpPr/>
+            <p:nvPr/>
+          </p:nvSpPr>
+          <p:spPr>
+            <a:xfrm>
+              <a:off x="3223925" y="3102360"/>
+              <a:ext cx="2789227" cy="1358029"/>
+            </a:xfrm>
+            <a:prstGeom prst="roundRect">
+              <a:avLst/>
+            </a:prstGeom>
+            <a:solidFill>
+              <a:schemeClr val="bg1">
+                <a:lumMod val="95000"/>
+                <a:alpha val="29000"/>
+              </a:schemeClr>
+            </a:solidFill>
+            <a:ln>
+              <a:noFill/>
+            </a:ln>
+          </p:spPr>
+          <p:style>
+            <a:lnRef idx="2">
+              <a:schemeClr val="accent1">
+                <a:shade val="50000"/>
+              </a:schemeClr>
+            </a:lnRef>
+            <a:fillRef idx="1">
+              <a:schemeClr val="accent1"/>
+            </a:fillRef>
+            <a:effectRef idx="0">
+              <a:schemeClr val="accent1"/>
+            </a:effectRef>
+            <a:fontRef idx="minor">
+              <a:schemeClr val="lt1"/>
+            </a:fontRef>
+          </p:style>
+          <p:txBody>
+            <a:bodyPr rtlCol="0" anchor="ctr"/>
+            <a:lstStyle/>
+            <a:p>
+              <a:pPr algn="ctr"/>
+              <a:endParaRPr lang="ko-KR" altLang="en-US"/>
+            </a:p>
+          </p:txBody>
+        </p:sp>
+        <p:sp>
+          <p:nvSpPr>
+            <p:cNvPr id="31" name="Oval 30"/>
+            <p:cNvSpPr/>
+            <p:nvPr/>
+          </p:nvSpPr>
+          <p:spPr>
+            <a:xfrm rot="19229300">
+              <a:off x="5779983" y="3135849"/>
+              <a:ext cx="127948" cy="230898"/>
+            </a:xfrm>
+            <a:prstGeom prst="ellipse">
+              <a:avLst/>
+            </a:prstGeom>
+            <a:solidFill>
+              <a:schemeClr val="bg1"/>
+            </a:solidFill>
+            <a:ln>
+              <a:noFill/>
+            </a:ln>
+          </p:spPr>
+          <p:style>
+            <a:lnRef idx="2">
+              <a:schemeClr val="accent1">
+                <a:shade val="50000"/>
+              </a:schemeClr>
+            </a:lnRef>
+            <a:fillRef idx="1">
+              <a:schemeClr val="accent1"/>
+            </a:fillRef>
+            <a:effectRef idx="0">
+              <a:schemeClr val="accent1"/>
+            </a:effectRef>
+            <a:fontRef idx="minor">
+              <a:schemeClr val="lt1"/>
+            </a:fontRef>
+          </p:style>
+          <p:txBody>
+            <a:bodyPr rtlCol="0" anchor="ctr"/>
+            <a:lstStyle/>
+            <a:p>
+              <a:pPr algn="ctr"/>
+              <a:endParaRPr lang="ko-KR" altLang="en-US"/>
+            </a:p>
+          </p:txBody>
+        </p:sp>
+      </p:grpSp>
+      <p:grpSp>
+        <p:nvGrpSpPr>
+          <p:cNvPr id="3" name="Group 2"/>
+          <p:cNvGrpSpPr/>
+          <p:nvPr/>
+        </p:nvGrpSpPr>
+        <p:grpSpPr>
+          <a:xfrm>
+            <a:off x="7142046" y="12955337"/>
+            <a:ext cx="364261" cy="490083"/>
+            <a:chOff x="7142046" y="12955337"/>
+            <a:chExt cx="364261" cy="490083"/>
+          </a:xfrm>
+        </p:grpSpPr>
+        <p:pic>
+          <p:nvPicPr>
+            <p:cNvPr id="27" name="Picture 26"/>
+            <p:cNvPicPr>
+              <a:picLocks noChangeAspect="1"/>
+            </p:cNvPicPr>
+            <p:nvPr/>
+          </p:nvPicPr>
+          <p:blipFill>
+            <a:blip r:embed="rId3" cstate="print">
+              <a:extLst>
+                <a:ext uri="{28A0092B-C50C-407E-A947-70E740481C1C}">
+                  <a14:useLocalDpi xmlns:a14="http://schemas.microsoft.com/office/drawing/2010/main" val="0"/>
+                </a:ext>
+              </a:extLst>
+            </a:blip>
+            <a:stretch>
+              <a:fillRect/>
+            </a:stretch>
+          </p:blipFill>
+          <p:spPr>
+            <a:xfrm>
+              <a:off x="7142046" y="12955337"/>
+              <a:ext cx="364261" cy="490083"/>
+            </a:xfrm>
+            <a:prstGeom prst="rect">
+              <a:avLst/>
+            </a:prstGeom>
+          </p:spPr>
+        </p:pic>
+        <p:sp>
+          <p:nvSpPr>
+            <p:cNvPr id="2" name="TextBox 1"/>
+            <p:cNvSpPr txBox="1"/>
+            <p:nvPr/>
+          </p:nvSpPr>
+          <p:spPr>
+            <a:xfrm>
+              <a:off x="7214068" y="13000323"/>
+              <a:ext cx="220216" cy="400110"/>
+            </a:xfrm>
+            <a:prstGeom prst="rect">
+              <a:avLst/>
+            </a:prstGeom>
+            <a:noFill/>
+          </p:spPr>
+          <p:txBody>
+            <a:bodyPr wrap="square" rtlCol="0">
+              <a:spAutoFit/>
+            </a:bodyPr>
+            <a:lstStyle/>
+            <a:p>
+              <a:pPr algn="ctr"/>
+              <a:r>
+                <a:rPr lang="en-US" altLang="ko-KR" sz="2000" b="1" dirty="0" smtClean="0">
+                  <a:latin typeface="365순진한핑크" pitchFamily="18" charset="-127"/>
+                  <a:ea typeface="365순진한핑크" pitchFamily="18" charset="-127"/>
+                </a:rPr>
+                <a:t>4</a:t>
+              </a:r>
+              <a:endParaRPr lang="ko-KR" altLang="en-US" sz="2000" b="1" dirty="0">
+                <a:latin typeface="365순진한핑크" pitchFamily="18" charset="-127"/>
+                <a:ea typeface="365순진한핑크" pitchFamily="18" charset="-127"/>
+              </a:endParaRPr>
+            </a:p>
+          </p:txBody>
+        </p:sp>
+      </p:grpSp>
+      <p:pic>
+        <p:nvPicPr>
+          <p:cNvPr id="4" name="Picture 3"/>
+          <p:cNvPicPr>
+            <a:picLocks noChangeAspect="1"/>
+          </p:cNvPicPr>
+          <p:nvPr/>
+        </p:nvPicPr>
+        <p:blipFill>
+          <a:blip r:embed="rId4" cstate="print">
+            <a:extLst>
+              <a:ext uri="{28A0092B-C50C-407E-A947-70E740481C1C}">
+                <a14:useLocalDpi xmlns:a14="http://schemas.microsoft.com/office/drawing/2010/main" val="0"/>
+              </a:ext>
+            </a:extLst>
+          </a:blip>
+          <a:stretch>
+            <a:fillRect/>
+          </a:stretch>
+        </p:blipFill>
+        <p:spPr>
+          <a:xfrm>
+            <a:off x="7412097" y="13168416"/>
+            <a:ext cx="1282362" cy="1474069"/>
+          </a:xfrm>
+          <a:prstGeom prst="rect">
+            <a:avLst/>
+          </a:prstGeom>
+        </p:spPr>
+      </p:pic>
     </p:spTree>
     <p:extLst>
       <p:ext uri="{BB962C8B-B14F-4D97-AF65-F5344CB8AC3E}">
@@ -13264,249 +13619,6 @@
       </p:grpSpPr>
       <p:grpSp>
         <p:nvGrpSpPr>
-          <p:cNvPr id="2" name="Group 1"/>
-          <p:cNvGrpSpPr/>
-          <p:nvPr/>
-        </p:nvGrpSpPr>
-        <p:grpSpPr>
-          <a:xfrm>
-            <a:off x="684561" y="432470"/>
-            <a:ext cx="3029196" cy="3104070"/>
-            <a:chOff x="3103941" y="2947155"/>
-            <a:chExt cx="3029196" cy="3104070"/>
-          </a:xfrm>
-        </p:grpSpPr>
-        <p:sp>
-          <p:nvSpPr>
-            <p:cNvPr id="3" name="Rounded Rectangle 2"/>
-            <p:cNvSpPr/>
-            <p:nvPr/>
-          </p:nvSpPr>
-          <p:spPr>
-            <a:xfrm>
-              <a:off x="3103941" y="3024758"/>
-              <a:ext cx="3029195" cy="3026467"/>
-            </a:xfrm>
-            <a:prstGeom prst="roundRect">
-              <a:avLst>
-                <a:gd name="adj" fmla="val 11628"/>
-              </a:avLst>
-            </a:prstGeom>
-            <a:solidFill>
-              <a:schemeClr val="tx2">
-                <a:lumMod val="60000"/>
-                <a:lumOff val="40000"/>
-              </a:schemeClr>
-            </a:solidFill>
-            <a:ln>
-              <a:noFill/>
-            </a:ln>
-            <a:effectLst>
-              <a:outerShdw blurRad="101600" dist="38100" dir="5400000" algn="t" rotWithShape="0">
-                <a:schemeClr val="tx1">
-                  <a:lumMod val="75000"/>
-                  <a:lumOff val="25000"/>
-                  <a:alpha val="40000"/>
-                </a:schemeClr>
-              </a:outerShdw>
-              <a:softEdge rad="12700"/>
-            </a:effectLst>
-            <a:scene3d>
-              <a:camera prst="orthographicFront"/>
-              <a:lightRig rig="threePt" dir="t"/>
-            </a:scene3d>
-            <a:sp3d>
-              <a:contourClr>
-                <a:schemeClr val="bg1"/>
-              </a:contourClr>
-            </a:sp3d>
-          </p:spPr>
-          <p:style>
-            <a:lnRef idx="2">
-              <a:schemeClr val="accent1">
-                <a:shade val="50000"/>
-              </a:schemeClr>
-            </a:lnRef>
-            <a:fillRef idx="1">
-              <a:schemeClr val="accent1"/>
-            </a:fillRef>
-            <a:effectRef idx="0">
-              <a:schemeClr val="accent1"/>
-            </a:effectRef>
-            <a:fontRef idx="minor">
-              <a:schemeClr val="lt1"/>
-            </a:fontRef>
-          </p:style>
-          <p:txBody>
-            <a:bodyPr rtlCol="0" anchor="ctr"/>
-            <a:lstStyle/>
-            <a:p>
-              <a:pPr algn="ctr"/>
-              <a:endParaRPr lang="ko-KR" altLang="en-US"/>
-            </a:p>
-          </p:txBody>
-        </p:sp>
-        <p:sp>
-          <p:nvSpPr>
-            <p:cNvPr id="4" name="Rounded Rectangle 3"/>
-            <p:cNvSpPr/>
-            <p:nvPr/>
-          </p:nvSpPr>
-          <p:spPr>
-            <a:xfrm>
-              <a:off x="3103942" y="2947155"/>
-              <a:ext cx="3029195" cy="3026467"/>
-            </a:xfrm>
-            <a:prstGeom prst="roundRect">
-              <a:avLst>
-                <a:gd name="adj" fmla="val 11628"/>
-              </a:avLst>
-            </a:prstGeom>
-            <a:solidFill>
-              <a:schemeClr val="accent1">
-                <a:lumMod val="60000"/>
-                <a:lumOff val="40000"/>
-              </a:schemeClr>
-            </a:solidFill>
-            <a:ln>
-              <a:noFill/>
-            </a:ln>
-            <a:effectLst>
-              <a:softEdge rad="12700"/>
-            </a:effectLst>
-            <a:scene3d>
-              <a:camera prst="orthographicFront"/>
-              <a:lightRig rig="threePt" dir="t"/>
-            </a:scene3d>
-            <a:sp3d>
-              <a:contourClr>
-                <a:schemeClr val="bg1"/>
-              </a:contourClr>
-            </a:sp3d>
-          </p:spPr>
-          <p:style>
-            <a:lnRef idx="2">
-              <a:schemeClr val="accent1">
-                <a:shade val="50000"/>
-              </a:schemeClr>
-            </a:lnRef>
-            <a:fillRef idx="1">
-              <a:schemeClr val="accent1"/>
-            </a:fillRef>
-            <a:effectRef idx="0">
-              <a:schemeClr val="accent1"/>
-            </a:effectRef>
-            <a:fontRef idx="minor">
-              <a:schemeClr val="lt1"/>
-            </a:fontRef>
-          </p:style>
-          <p:txBody>
-            <a:bodyPr rtlCol="0" anchor="ctr"/>
-            <a:lstStyle/>
-            <a:p>
-              <a:pPr algn="ctr"/>
-              <a:endParaRPr lang="ko-KR" altLang="en-US"/>
-            </a:p>
-          </p:txBody>
-        </p:sp>
-        <p:sp>
-          <p:nvSpPr>
-            <p:cNvPr id="5" name="Rounded Rectangle 4"/>
-            <p:cNvSpPr/>
-            <p:nvPr/>
-          </p:nvSpPr>
-          <p:spPr>
-            <a:xfrm>
-              <a:off x="3223925" y="3102360"/>
-              <a:ext cx="2789227" cy="1358029"/>
-            </a:xfrm>
-            <a:prstGeom prst="roundRect">
-              <a:avLst/>
-            </a:prstGeom>
-            <a:solidFill>
-              <a:schemeClr val="bg1">
-                <a:lumMod val="95000"/>
-                <a:alpha val="29000"/>
-              </a:schemeClr>
-            </a:solidFill>
-            <a:ln>
-              <a:noFill/>
-            </a:ln>
-          </p:spPr>
-          <p:style>
-            <a:lnRef idx="2">
-              <a:schemeClr val="accent1">
-                <a:shade val="50000"/>
-              </a:schemeClr>
-            </a:lnRef>
-            <a:fillRef idx="1">
-              <a:schemeClr val="accent1"/>
-            </a:fillRef>
-            <a:effectRef idx="0">
-              <a:schemeClr val="accent1"/>
-            </a:effectRef>
-            <a:fontRef idx="minor">
-              <a:schemeClr val="lt1"/>
-            </a:fontRef>
-          </p:style>
-          <p:txBody>
-            <a:bodyPr rtlCol="0" anchor="ctr"/>
-            <a:lstStyle/>
-            <a:p>
-              <a:pPr algn="ctr"/>
-              <a:endParaRPr lang="ko-KR" altLang="en-US"/>
-            </a:p>
-          </p:txBody>
-        </p:sp>
-        <p:sp>
-          <p:nvSpPr>
-            <p:cNvPr id="6" name="Oval 5"/>
-            <p:cNvSpPr/>
-            <p:nvPr/>
-          </p:nvSpPr>
-          <p:spPr>
-            <a:xfrm rot="19229300">
-              <a:off x="5779983" y="3135849"/>
-              <a:ext cx="127948" cy="230898"/>
-            </a:xfrm>
-            <a:prstGeom prst="ellipse">
-              <a:avLst/>
-            </a:prstGeom>
-            <a:solidFill>
-              <a:schemeClr val="bg1"/>
-            </a:solidFill>
-            <a:ln>
-              <a:noFill/>
-            </a:ln>
-          </p:spPr>
-          <p:style>
-            <a:lnRef idx="2">
-              <a:schemeClr val="accent1">
-                <a:shade val="50000"/>
-              </a:schemeClr>
-            </a:lnRef>
-            <a:fillRef idx="1">
-              <a:schemeClr val="accent1"/>
-            </a:fillRef>
-            <a:effectRef idx="0">
-              <a:schemeClr val="accent1"/>
-            </a:effectRef>
-            <a:fontRef idx="minor">
-              <a:schemeClr val="lt1"/>
-            </a:fontRef>
-          </p:style>
-          <p:txBody>
-            <a:bodyPr rtlCol="0" anchor="ctr"/>
-            <a:lstStyle/>
-            <a:p>
-              <a:pPr algn="ctr"/>
-              <a:endParaRPr lang="ko-KR" altLang="en-US"/>
-            </a:p>
-          </p:txBody>
-        </p:sp>
-      </p:grpSp>
-      <p:grpSp>
-        <p:nvGrpSpPr>
           <p:cNvPr id="7" name="Group 6"/>
           <p:cNvGrpSpPr/>
           <p:nvPr/>
@@ -13872,6 +13984,294 @@
             </a:p>
           </p:txBody>
         </p:sp>
+      </p:grpSp>
+      <p:grpSp>
+        <p:nvGrpSpPr>
+          <p:cNvPr id="15" name="Group 14"/>
+          <p:cNvGrpSpPr/>
+          <p:nvPr/>
+        </p:nvGrpSpPr>
+        <p:grpSpPr>
+          <a:xfrm>
+            <a:off x="684561" y="405284"/>
+            <a:ext cx="3029196" cy="3131256"/>
+            <a:chOff x="684561" y="405284"/>
+            <a:chExt cx="3029196" cy="3131256"/>
+          </a:xfrm>
+        </p:grpSpPr>
+        <p:grpSp>
+          <p:nvGrpSpPr>
+            <p:cNvPr id="2" name="Group 1"/>
+            <p:cNvGrpSpPr/>
+            <p:nvPr/>
+          </p:nvGrpSpPr>
+          <p:grpSpPr>
+            <a:xfrm>
+              <a:off x="684561" y="432470"/>
+              <a:ext cx="3029196" cy="3104070"/>
+              <a:chOff x="3103941" y="2947155"/>
+              <a:chExt cx="3029196" cy="3104070"/>
+            </a:xfrm>
+          </p:grpSpPr>
+          <p:sp>
+            <p:nvSpPr>
+              <p:cNvPr id="3" name="Rounded Rectangle 2"/>
+              <p:cNvSpPr/>
+              <p:nvPr/>
+            </p:nvSpPr>
+            <p:spPr>
+              <a:xfrm>
+                <a:off x="3103941" y="3024758"/>
+                <a:ext cx="3029195" cy="3026467"/>
+              </a:xfrm>
+              <a:prstGeom prst="roundRect">
+                <a:avLst>
+                  <a:gd name="adj" fmla="val 11628"/>
+                </a:avLst>
+              </a:prstGeom>
+              <a:solidFill>
+                <a:schemeClr val="tx2">
+                  <a:lumMod val="60000"/>
+                  <a:lumOff val="40000"/>
+                </a:schemeClr>
+              </a:solidFill>
+              <a:ln>
+                <a:noFill/>
+              </a:ln>
+              <a:effectLst>
+                <a:outerShdw blurRad="101600" dist="38100" dir="5400000" algn="t" rotWithShape="0">
+                  <a:schemeClr val="tx1">
+                    <a:lumMod val="75000"/>
+                    <a:lumOff val="25000"/>
+                    <a:alpha val="40000"/>
+                  </a:schemeClr>
+                </a:outerShdw>
+                <a:softEdge rad="12700"/>
+              </a:effectLst>
+              <a:scene3d>
+                <a:camera prst="orthographicFront"/>
+                <a:lightRig rig="threePt" dir="t"/>
+              </a:scene3d>
+              <a:sp3d>
+                <a:contourClr>
+                  <a:schemeClr val="bg1"/>
+                </a:contourClr>
+              </a:sp3d>
+            </p:spPr>
+            <p:style>
+              <a:lnRef idx="2">
+                <a:schemeClr val="accent1">
+                  <a:shade val="50000"/>
+                </a:schemeClr>
+              </a:lnRef>
+              <a:fillRef idx="1">
+                <a:schemeClr val="accent1"/>
+              </a:fillRef>
+              <a:effectRef idx="0">
+                <a:schemeClr val="accent1"/>
+              </a:effectRef>
+              <a:fontRef idx="minor">
+                <a:schemeClr val="lt1"/>
+              </a:fontRef>
+            </p:style>
+            <p:txBody>
+              <a:bodyPr rtlCol="0" anchor="ctr"/>
+              <a:lstStyle/>
+              <a:p>
+                <a:pPr algn="ctr"/>
+                <a:endParaRPr lang="ko-KR" altLang="en-US"/>
+              </a:p>
+            </p:txBody>
+          </p:sp>
+          <p:sp>
+            <p:nvSpPr>
+              <p:cNvPr id="4" name="Rounded Rectangle 3"/>
+              <p:cNvSpPr/>
+              <p:nvPr/>
+            </p:nvSpPr>
+            <p:spPr>
+              <a:xfrm>
+                <a:off x="3103942" y="2947155"/>
+                <a:ext cx="3029195" cy="3026467"/>
+              </a:xfrm>
+              <a:prstGeom prst="roundRect">
+                <a:avLst>
+                  <a:gd name="adj" fmla="val 11628"/>
+                </a:avLst>
+              </a:prstGeom>
+              <a:solidFill>
+                <a:schemeClr val="accent1">
+                  <a:lumMod val="60000"/>
+                  <a:lumOff val="40000"/>
+                </a:schemeClr>
+              </a:solidFill>
+              <a:ln>
+                <a:noFill/>
+              </a:ln>
+              <a:effectLst>
+                <a:softEdge rad="12700"/>
+              </a:effectLst>
+              <a:scene3d>
+                <a:camera prst="orthographicFront"/>
+                <a:lightRig rig="threePt" dir="t"/>
+              </a:scene3d>
+              <a:sp3d>
+                <a:contourClr>
+                  <a:schemeClr val="bg1"/>
+                </a:contourClr>
+              </a:sp3d>
+            </p:spPr>
+            <p:style>
+              <a:lnRef idx="2">
+                <a:schemeClr val="accent1">
+                  <a:shade val="50000"/>
+                </a:schemeClr>
+              </a:lnRef>
+              <a:fillRef idx="1">
+                <a:schemeClr val="accent1"/>
+              </a:fillRef>
+              <a:effectRef idx="0">
+                <a:schemeClr val="accent1"/>
+              </a:effectRef>
+              <a:fontRef idx="minor">
+                <a:schemeClr val="lt1"/>
+              </a:fontRef>
+            </p:style>
+            <p:txBody>
+              <a:bodyPr rtlCol="0" anchor="ctr"/>
+              <a:lstStyle/>
+              <a:p>
+                <a:pPr algn="ctr"/>
+                <a:endParaRPr lang="ko-KR" altLang="en-US"/>
+              </a:p>
+            </p:txBody>
+          </p:sp>
+          <p:sp>
+            <p:nvSpPr>
+              <p:cNvPr id="5" name="Rounded Rectangle 4"/>
+              <p:cNvSpPr/>
+              <p:nvPr/>
+            </p:nvSpPr>
+            <p:spPr>
+              <a:xfrm>
+                <a:off x="3223925" y="3102360"/>
+                <a:ext cx="2789227" cy="1358029"/>
+              </a:xfrm>
+              <a:prstGeom prst="roundRect">
+                <a:avLst/>
+              </a:prstGeom>
+              <a:solidFill>
+                <a:schemeClr val="bg1">
+                  <a:lumMod val="95000"/>
+                  <a:alpha val="29000"/>
+                </a:schemeClr>
+              </a:solidFill>
+              <a:ln>
+                <a:noFill/>
+              </a:ln>
+            </p:spPr>
+            <p:style>
+              <a:lnRef idx="2">
+                <a:schemeClr val="accent1">
+                  <a:shade val="50000"/>
+                </a:schemeClr>
+              </a:lnRef>
+              <a:fillRef idx="1">
+                <a:schemeClr val="accent1"/>
+              </a:fillRef>
+              <a:effectRef idx="0">
+                <a:schemeClr val="accent1"/>
+              </a:effectRef>
+              <a:fontRef idx="minor">
+                <a:schemeClr val="lt1"/>
+              </a:fontRef>
+            </p:style>
+            <p:txBody>
+              <a:bodyPr rtlCol="0" anchor="ctr"/>
+              <a:lstStyle/>
+              <a:p>
+                <a:pPr algn="ctr"/>
+                <a:endParaRPr lang="ko-KR" altLang="en-US"/>
+              </a:p>
+            </p:txBody>
+          </p:sp>
+          <p:sp>
+            <p:nvSpPr>
+              <p:cNvPr id="6" name="Oval 5"/>
+              <p:cNvSpPr/>
+              <p:nvPr/>
+            </p:nvSpPr>
+            <p:spPr>
+              <a:xfrm rot="19229300">
+                <a:off x="5779983" y="3135849"/>
+                <a:ext cx="127948" cy="230898"/>
+              </a:xfrm>
+              <a:prstGeom prst="ellipse">
+                <a:avLst/>
+              </a:prstGeom>
+              <a:solidFill>
+                <a:schemeClr val="bg1"/>
+              </a:solidFill>
+              <a:ln>
+                <a:noFill/>
+              </a:ln>
+            </p:spPr>
+            <p:style>
+              <a:lnRef idx="2">
+                <a:schemeClr val="accent1">
+                  <a:shade val="50000"/>
+                </a:schemeClr>
+              </a:lnRef>
+              <a:fillRef idx="1">
+                <a:schemeClr val="accent1"/>
+              </a:fillRef>
+              <a:effectRef idx="0">
+                <a:schemeClr val="accent1"/>
+              </a:effectRef>
+              <a:fontRef idx="minor">
+                <a:schemeClr val="lt1"/>
+              </a:fontRef>
+            </p:style>
+            <p:txBody>
+              <a:bodyPr rtlCol="0" anchor="ctr"/>
+              <a:lstStyle/>
+              <a:p>
+                <a:pPr algn="ctr"/>
+                <a:endParaRPr lang="ko-KR" altLang="en-US"/>
+              </a:p>
+            </p:txBody>
+          </p:sp>
+        </p:grpSp>
+        <p:pic>
+          <p:nvPicPr>
+            <p:cNvPr id="12" name="Picture 11"/>
+            <p:cNvPicPr>
+              <a:picLocks noChangeAspect="1"/>
+            </p:cNvPicPr>
+            <p:nvPr/>
+          </p:nvPicPr>
+          <p:blipFill>
+            <a:blip r:embed="rId2" cstate="print">
+              <a:extLst>
+                <a:ext uri="{28A0092B-C50C-407E-A947-70E740481C1C}">
+                  <a14:useLocalDpi xmlns:a14="http://schemas.microsoft.com/office/drawing/2010/main" val="0"/>
+                </a:ext>
+              </a:extLst>
+            </a:blip>
+            <a:stretch>
+              <a:fillRect/>
+            </a:stretch>
+          </p:blipFill>
+          <p:spPr>
+            <a:xfrm>
+              <a:off x="684562" y="405284"/>
+              <a:ext cx="605453" cy="814587"/>
+            </a:xfrm>
+            <a:prstGeom prst="rect">
+              <a:avLst/>
+            </a:prstGeom>
+          </p:spPr>
+        </p:pic>
       </p:grpSp>
     </p:spTree>
     <p:extLst>

--- a/기획문서/UI.pptx
+++ b/기획문서/UI.pptx
@@ -198,7 +198,7 @@
           <a:p>
             <a:fld id="{D5B3D382-BA18-47F4-BD86-E894B4DFE9BE}" type="datetimeFigureOut">
               <a:rPr lang="ko-KR" altLang="en-US" smtClean="0"/>
-              <a:t>2016-04-26</a:t>
+              <a:t>2016-04-29</a:t>
             </a:fld>
             <a:endParaRPr lang="ko-KR" altLang="en-US"/>
           </a:p>
@@ -899,7 +899,7 @@
           <a:p>
             <a:fld id="{79BB124B-F906-483B-ACF5-0CC29D8DBA7D}" type="datetimeFigureOut">
               <a:rPr lang="ko-KR" altLang="en-US" smtClean="0"/>
-              <a:t>2016-04-26</a:t>
+              <a:t>2016-04-29</a:t>
             </a:fld>
             <a:endParaRPr lang="ko-KR" altLang="en-US"/>
           </a:p>
@@ -1069,7 +1069,7 @@
           <a:p>
             <a:fld id="{79BB124B-F906-483B-ACF5-0CC29D8DBA7D}" type="datetimeFigureOut">
               <a:rPr lang="ko-KR" altLang="en-US" smtClean="0"/>
-              <a:t>2016-04-26</a:t>
+              <a:t>2016-04-29</a:t>
             </a:fld>
             <a:endParaRPr lang="ko-KR" altLang="en-US"/>
           </a:p>
@@ -1249,7 +1249,7 @@
           <a:p>
             <a:fld id="{79BB124B-F906-483B-ACF5-0CC29D8DBA7D}" type="datetimeFigureOut">
               <a:rPr lang="ko-KR" altLang="en-US" smtClean="0"/>
-              <a:t>2016-04-26</a:t>
+              <a:t>2016-04-29</a:t>
             </a:fld>
             <a:endParaRPr lang="ko-KR" altLang="en-US"/>
           </a:p>
@@ -1419,7 +1419,7 @@
           <a:p>
             <a:fld id="{79BB124B-F906-483B-ACF5-0CC29D8DBA7D}" type="datetimeFigureOut">
               <a:rPr lang="ko-KR" altLang="en-US" smtClean="0"/>
-              <a:t>2016-04-26</a:t>
+              <a:t>2016-04-29</a:t>
             </a:fld>
             <a:endParaRPr lang="ko-KR" altLang="en-US"/>
           </a:p>
@@ -1665,7 +1665,7 @@
           <a:p>
             <a:fld id="{79BB124B-F906-483B-ACF5-0CC29D8DBA7D}" type="datetimeFigureOut">
               <a:rPr lang="ko-KR" altLang="en-US" smtClean="0"/>
-              <a:t>2016-04-26</a:t>
+              <a:t>2016-04-29</a:t>
             </a:fld>
             <a:endParaRPr lang="ko-KR" altLang="en-US"/>
           </a:p>
@@ -1953,7 +1953,7 @@
           <a:p>
             <a:fld id="{79BB124B-F906-483B-ACF5-0CC29D8DBA7D}" type="datetimeFigureOut">
               <a:rPr lang="ko-KR" altLang="en-US" smtClean="0"/>
-              <a:t>2016-04-26</a:t>
+              <a:t>2016-04-29</a:t>
             </a:fld>
             <a:endParaRPr lang="ko-KR" altLang="en-US"/>
           </a:p>
@@ -2380,7 +2380,7 @@
           <a:p>
             <a:fld id="{79BB124B-F906-483B-ACF5-0CC29D8DBA7D}" type="datetimeFigureOut">
               <a:rPr lang="ko-KR" altLang="en-US" smtClean="0"/>
-              <a:t>2016-04-26</a:t>
+              <a:t>2016-04-29</a:t>
             </a:fld>
             <a:endParaRPr lang="ko-KR" altLang="en-US"/>
           </a:p>
@@ -2498,7 +2498,7 @@
           <a:p>
             <a:fld id="{79BB124B-F906-483B-ACF5-0CC29D8DBA7D}" type="datetimeFigureOut">
               <a:rPr lang="ko-KR" altLang="en-US" smtClean="0"/>
-              <a:t>2016-04-26</a:t>
+              <a:t>2016-04-29</a:t>
             </a:fld>
             <a:endParaRPr lang="ko-KR" altLang="en-US"/>
           </a:p>
@@ -2593,7 +2593,7 @@
           <a:p>
             <a:fld id="{79BB124B-F906-483B-ACF5-0CC29D8DBA7D}" type="datetimeFigureOut">
               <a:rPr lang="ko-KR" altLang="en-US" smtClean="0"/>
-              <a:t>2016-04-26</a:t>
+              <a:t>2016-04-29</a:t>
             </a:fld>
             <a:endParaRPr lang="ko-KR" altLang="en-US"/>
           </a:p>
@@ -2870,7 +2870,7 @@
           <a:p>
             <a:fld id="{79BB124B-F906-483B-ACF5-0CC29D8DBA7D}" type="datetimeFigureOut">
               <a:rPr lang="ko-KR" altLang="en-US" smtClean="0"/>
-              <a:t>2016-04-26</a:t>
+              <a:t>2016-04-29</a:t>
             </a:fld>
             <a:endParaRPr lang="ko-KR" altLang="en-US"/>
           </a:p>
@@ -3123,7 +3123,7 @@
           <a:p>
             <a:fld id="{79BB124B-F906-483B-ACF5-0CC29D8DBA7D}" type="datetimeFigureOut">
               <a:rPr lang="ko-KR" altLang="en-US" smtClean="0"/>
-              <a:t>2016-04-26</a:t>
+              <a:t>2016-04-29</a:t>
             </a:fld>
             <a:endParaRPr lang="ko-KR" altLang="en-US"/>
           </a:p>
@@ -3336,7 +3336,7 @@
           <a:p>
             <a:fld id="{79BB124B-F906-483B-ACF5-0CC29D8DBA7D}" type="datetimeFigureOut">
               <a:rPr lang="ko-KR" altLang="en-US" smtClean="0"/>
-              <a:t>2016-04-26</a:t>
+              <a:t>2016-04-29</a:t>
             </a:fld>
             <a:endParaRPr lang="ko-KR" altLang="en-US"/>
           </a:p>
@@ -8090,16 +8090,16 @@
       </p:grpSpPr>
       <p:grpSp>
         <p:nvGrpSpPr>
-          <p:cNvPr id="6" name="Group 5"/>
+          <p:cNvPr id="8" name="Group 7"/>
           <p:cNvGrpSpPr/>
           <p:nvPr/>
         </p:nvGrpSpPr>
         <p:grpSpPr>
           <a:xfrm>
-            <a:off x="1" y="-25693"/>
-            <a:ext cx="24164638" cy="15148218"/>
-            <a:chOff x="1764681" y="1080542"/>
-            <a:chExt cx="20841183" cy="13064826"/>
+            <a:off x="1476649" y="870967"/>
+            <a:ext cx="22687990" cy="14251557"/>
+            <a:chOff x="1" y="-25693"/>
+            <a:chExt cx="24164638" cy="15148218"/>
           </a:xfrm>
         </p:grpSpPr>
         <p:sp>
@@ -8110,8 +8110,8 @@
           </p:nvSpPr>
           <p:spPr>
             <a:xfrm>
-              <a:off x="1764681" y="1080542"/>
-              <a:ext cx="20841183" cy="13064826"/>
+              <a:off x="1" y="-25693"/>
+              <a:ext cx="24164638" cy="15148218"/>
             </a:xfrm>
             <a:prstGeom prst="roundRect">
               <a:avLst>
@@ -8187,8 +8187,8 @@
           </p:nvSpPr>
           <p:spPr>
             <a:xfrm>
-              <a:off x="2140156" y="2736726"/>
-              <a:ext cx="20090232" cy="11122155"/>
+              <a:off x="435351" y="1894596"/>
+              <a:ext cx="23293936" cy="12895758"/>
             </a:xfrm>
             <a:prstGeom prst="roundRect">
               <a:avLst>
@@ -8261,8 +8261,8 @@
           </p:nvSpPr>
           <p:spPr>
             <a:xfrm>
-              <a:off x="2135319" y="1272580"/>
-              <a:ext cx="20090232" cy="720080"/>
+              <a:off x="429743" y="196968"/>
+              <a:ext cx="23293936" cy="834908"/>
             </a:xfrm>
             <a:prstGeom prst="roundRect">
               <a:avLst>
@@ -8335,8 +8335,8 @@
           </p:nvCxnSpPr>
           <p:spPr>
             <a:xfrm>
-              <a:off x="2844803" y="6553150"/>
-              <a:ext cx="18794088" cy="0"/>
+              <a:off x="1252365" y="6319608"/>
+              <a:ext cx="21791101" cy="0"/>
             </a:xfrm>
             <a:prstGeom prst="line">
               <a:avLst/>
@@ -8365,306 +8365,6 @@
             </a:fontRef>
           </p:style>
         </p:cxnSp>
-        <p:grpSp>
-          <p:nvGrpSpPr>
-            <p:cNvPr id="5" name="Group 4"/>
-            <p:cNvGrpSpPr/>
-            <p:nvPr/>
-          </p:nvGrpSpPr>
-          <p:grpSpPr>
-            <a:xfrm>
-              <a:off x="21300251" y="1451481"/>
-              <a:ext cx="891188" cy="913216"/>
-              <a:chOff x="21300251" y="1451481"/>
-              <a:chExt cx="891188" cy="913216"/>
-            </a:xfrm>
-          </p:grpSpPr>
-          <p:sp>
-            <p:nvSpPr>
-              <p:cNvPr id="100" name="Rounded Rectangle 99"/>
-              <p:cNvSpPr/>
-              <p:nvPr/>
-            </p:nvSpPr>
-            <p:spPr>
-              <a:xfrm>
-                <a:off x="21300251" y="1474312"/>
-                <a:ext cx="891188" cy="890385"/>
-              </a:xfrm>
-              <a:prstGeom prst="roundRect">
-                <a:avLst>
-                  <a:gd name="adj" fmla="val 11628"/>
-                </a:avLst>
-              </a:prstGeom>
-              <a:solidFill>
-                <a:schemeClr val="accent2">
-                  <a:lumMod val="75000"/>
-                </a:schemeClr>
-              </a:solidFill>
-              <a:ln>
-                <a:noFill/>
-              </a:ln>
-              <a:effectLst>
-                <a:outerShdw blurRad="101600" dist="38100" dir="5400000" algn="t" rotWithShape="0">
-                  <a:schemeClr val="tx1">
-                    <a:lumMod val="75000"/>
-                    <a:lumOff val="25000"/>
-                    <a:alpha val="40000"/>
-                  </a:schemeClr>
-                </a:outerShdw>
-                <a:softEdge rad="12700"/>
-              </a:effectLst>
-              <a:scene3d>
-                <a:camera prst="orthographicFront"/>
-                <a:lightRig rig="threePt" dir="t"/>
-              </a:scene3d>
-              <a:sp3d>
-                <a:contourClr>
-                  <a:schemeClr val="bg1"/>
-                </a:contourClr>
-              </a:sp3d>
-            </p:spPr>
-            <p:style>
-              <a:lnRef idx="2">
-                <a:schemeClr val="accent1">
-                  <a:shade val="50000"/>
-                </a:schemeClr>
-              </a:lnRef>
-              <a:fillRef idx="1">
-                <a:schemeClr val="accent1"/>
-              </a:fillRef>
-              <a:effectRef idx="0">
-                <a:schemeClr val="accent1"/>
-              </a:effectRef>
-              <a:fontRef idx="minor">
-                <a:schemeClr val="lt1"/>
-              </a:fontRef>
-            </p:style>
-            <p:txBody>
-              <a:bodyPr rtlCol="0" anchor="ctr"/>
-              <a:lstStyle/>
-              <a:p>
-                <a:pPr algn="ctr"/>
-                <a:endParaRPr lang="ko-KR" altLang="en-US"/>
-              </a:p>
-            </p:txBody>
-          </p:sp>
-          <p:sp>
-            <p:nvSpPr>
-              <p:cNvPr id="101" name="Rounded Rectangle 100"/>
-              <p:cNvSpPr/>
-              <p:nvPr/>
-            </p:nvSpPr>
-            <p:spPr>
-              <a:xfrm>
-                <a:off x="21300251" y="1451481"/>
-                <a:ext cx="891188" cy="890385"/>
-              </a:xfrm>
-              <a:prstGeom prst="roundRect">
-                <a:avLst>
-                  <a:gd name="adj" fmla="val 11628"/>
-                </a:avLst>
-              </a:prstGeom>
-              <a:solidFill>
-                <a:schemeClr val="accent2">
-                  <a:lumMod val="60000"/>
-                  <a:lumOff val="40000"/>
-                  <a:alpha val="70000"/>
-                </a:schemeClr>
-              </a:solidFill>
-              <a:ln>
-                <a:noFill/>
-              </a:ln>
-              <a:effectLst>
-                <a:softEdge rad="12700"/>
-              </a:effectLst>
-              <a:scene3d>
-                <a:camera prst="orthographicFront"/>
-                <a:lightRig rig="threePt" dir="t"/>
-              </a:scene3d>
-              <a:sp3d>
-                <a:contourClr>
-                  <a:schemeClr val="bg1"/>
-                </a:contourClr>
-              </a:sp3d>
-            </p:spPr>
-            <p:style>
-              <a:lnRef idx="2">
-                <a:schemeClr val="accent1">
-                  <a:shade val="50000"/>
-                </a:schemeClr>
-              </a:lnRef>
-              <a:fillRef idx="1">
-                <a:schemeClr val="accent1"/>
-              </a:fillRef>
-              <a:effectRef idx="0">
-                <a:schemeClr val="accent1"/>
-              </a:effectRef>
-              <a:fontRef idx="minor">
-                <a:schemeClr val="lt1"/>
-              </a:fontRef>
-            </p:style>
-            <p:txBody>
-              <a:bodyPr rtlCol="0" anchor="ctr"/>
-              <a:lstStyle/>
-              <a:p>
-                <a:pPr algn="ctr"/>
-                <a:endParaRPr lang="ko-KR" altLang="en-US"/>
-              </a:p>
-            </p:txBody>
-          </p:sp>
-          <p:sp>
-            <p:nvSpPr>
-              <p:cNvPr id="102" name="Rounded Rectangle 101"/>
-              <p:cNvSpPr/>
-              <p:nvPr/>
-            </p:nvSpPr>
-            <p:spPr>
-              <a:xfrm>
-                <a:off x="21335550" y="1497142"/>
-                <a:ext cx="820589" cy="399532"/>
-              </a:xfrm>
-              <a:prstGeom prst="roundRect">
-                <a:avLst/>
-              </a:prstGeom>
-              <a:solidFill>
-                <a:schemeClr val="bg1">
-                  <a:lumMod val="95000"/>
-                  <a:alpha val="29000"/>
-                </a:schemeClr>
-              </a:solidFill>
-              <a:ln>
-                <a:noFill/>
-              </a:ln>
-            </p:spPr>
-            <p:style>
-              <a:lnRef idx="2">
-                <a:schemeClr val="accent1">
-                  <a:shade val="50000"/>
-                </a:schemeClr>
-              </a:lnRef>
-              <a:fillRef idx="1">
-                <a:schemeClr val="accent1"/>
-              </a:fillRef>
-              <a:effectRef idx="0">
-                <a:schemeClr val="accent1"/>
-              </a:effectRef>
-              <a:fontRef idx="minor">
-                <a:schemeClr val="lt1"/>
-              </a:fontRef>
-            </p:style>
-            <p:txBody>
-              <a:bodyPr rtlCol="0" anchor="ctr"/>
-              <a:lstStyle/>
-              <a:p>
-                <a:pPr algn="ctr"/>
-                <a:endParaRPr lang="ko-KR" altLang="en-US"/>
-              </a:p>
-            </p:txBody>
-          </p:sp>
-          <p:sp>
-            <p:nvSpPr>
-              <p:cNvPr id="103" name="Oval 102"/>
-              <p:cNvSpPr/>
-              <p:nvPr/>
-            </p:nvSpPr>
-            <p:spPr>
-              <a:xfrm rot="19229300">
-                <a:off x="22087541" y="1506995"/>
-                <a:ext cx="37642" cy="67930"/>
-              </a:xfrm>
-              <a:prstGeom prst="ellipse">
-                <a:avLst/>
-              </a:prstGeom>
-              <a:solidFill>
-                <a:schemeClr val="bg1"/>
-              </a:solidFill>
-              <a:ln>
-                <a:noFill/>
-              </a:ln>
-            </p:spPr>
-            <p:style>
-              <a:lnRef idx="2">
-                <a:schemeClr val="accent1">
-                  <a:shade val="50000"/>
-                </a:schemeClr>
-              </a:lnRef>
-              <a:fillRef idx="1">
-                <a:schemeClr val="accent1"/>
-              </a:fillRef>
-              <a:effectRef idx="0">
-                <a:schemeClr val="accent1"/>
-              </a:effectRef>
-              <a:fontRef idx="minor">
-                <a:schemeClr val="lt1"/>
-              </a:fontRef>
-            </p:style>
-            <p:txBody>
-              <a:bodyPr rtlCol="0" anchor="ctr"/>
-              <a:lstStyle/>
-              <a:p>
-                <a:pPr algn="ctr"/>
-                <a:endParaRPr lang="ko-KR" altLang="en-US"/>
-              </a:p>
-            </p:txBody>
-          </p:sp>
-          <p:sp>
-            <p:nvSpPr>
-              <p:cNvPr id="104" name="Multiply 103"/>
-              <p:cNvSpPr/>
-              <p:nvPr/>
-            </p:nvSpPr>
-            <p:spPr>
-              <a:xfrm>
-                <a:off x="21322128" y="1497142"/>
-                <a:ext cx="864446" cy="864446"/>
-              </a:xfrm>
-              <a:prstGeom prst="mathMultiply">
-                <a:avLst>
-                  <a:gd name="adj1" fmla="val 22051"/>
-                </a:avLst>
-              </a:prstGeom>
-              <a:solidFill>
-                <a:schemeClr val="accent2">
-                  <a:lumMod val="50000"/>
-                </a:schemeClr>
-              </a:solidFill>
-              <a:ln>
-                <a:noFill/>
-              </a:ln>
-              <a:scene3d>
-                <a:camera prst="orthographicFront"/>
-                <a:lightRig rig="threePt" dir="t"/>
-              </a:scene3d>
-              <a:sp3d>
-                <a:bevelT w="38100" h="38100" prst="angle"/>
-              </a:sp3d>
-            </p:spPr>
-            <p:style>
-              <a:lnRef idx="2">
-                <a:schemeClr val="accent1">
-                  <a:shade val="50000"/>
-                </a:schemeClr>
-              </a:lnRef>
-              <a:fillRef idx="1">
-                <a:schemeClr val="accent1"/>
-              </a:fillRef>
-              <a:effectRef idx="0">
-                <a:schemeClr val="accent1"/>
-              </a:effectRef>
-              <a:fontRef idx="minor">
-                <a:schemeClr val="lt1"/>
-              </a:fontRef>
-            </p:style>
-            <p:txBody>
-              <a:bodyPr rtlCol="0" anchor="ctr"/>
-              <a:lstStyle/>
-              <a:p>
-                <a:pPr algn="ctr"/>
-                <a:endParaRPr lang="ko-KR" altLang="en-US"/>
-              </a:p>
-            </p:txBody>
-          </p:sp>
-        </p:grpSp>
         <p:sp>
           <p:nvSpPr>
             <p:cNvPr id="107" name="TextBox 106"/>
@@ -8673,8 +8373,8 @@
           </p:nvSpPr>
           <p:spPr>
             <a:xfrm>
-              <a:off x="8789382" y="1502781"/>
-              <a:ext cx="6904929" cy="1015663"/>
+              <a:off x="8144901" y="463879"/>
+              <a:ext cx="8006029" cy="1177626"/>
             </a:xfrm>
             <a:prstGeom prst="rect">
               <a:avLst/>
@@ -8710,8 +8410,8 @@
           </p:nvSpPr>
           <p:spPr>
             <a:xfrm rot="19229300">
-              <a:off x="22045957" y="1286901"/>
-              <a:ext cx="127948" cy="230898"/>
+              <a:off x="23515446" y="213573"/>
+              <a:ext cx="148351" cy="267718"/>
             </a:xfrm>
             <a:prstGeom prst="ellipse">
               <a:avLst/>
@@ -8751,28 +8451,28 @@
       </p:grpSp>
       <p:grpSp>
         <p:nvGrpSpPr>
-          <p:cNvPr id="97" name="Group 96"/>
+          <p:cNvPr id="17" name="Group 16"/>
           <p:cNvGrpSpPr/>
           <p:nvPr/>
         </p:nvGrpSpPr>
         <p:grpSpPr>
           <a:xfrm>
-            <a:off x="1252365" y="2744781"/>
-            <a:ext cx="3029196" cy="3104070"/>
-            <a:chOff x="3103941" y="2947155"/>
-            <a:chExt cx="3029196" cy="3104070"/>
+            <a:off x="180505" y="132457"/>
+            <a:ext cx="1033302" cy="1058843"/>
+            <a:chOff x="21300251" y="1451481"/>
+            <a:chExt cx="891188" cy="913216"/>
           </a:xfrm>
         </p:grpSpPr>
         <p:sp>
           <p:nvSpPr>
-            <p:cNvPr id="98" name="Rounded Rectangle 97"/>
+            <p:cNvPr id="19" name="Rounded Rectangle 18"/>
             <p:cNvSpPr/>
             <p:nvPr/>
           </p:nvSpPr>
           <p:spPr>
             <a:xfrm>
-              <a:off x="3103941" y="3024758"/>
-              <a:ext cx="3029195" cy="3026467"/>
+              <a:off x="21300251" y="1474312"/>
+              <a:ext cx="891188" cy="890385"/>
             </a:xfrm>
             <a:prstGeom prst="roundRect">
               <a:avLst>
@@ -8780,9 +8480,8 @@
               </a:avLst>
             </a:prstGeom>
             <a:solidFill>
-              <a:schemeClr val="tx2">
-                <a:lumMod val="60000"/>
-                <a:lumOff val="40000"/>
+              <a:schemeClr val="accent2">
+                <a:lumMod val="75000"/>
               </a:schemeClr>
             </a:solidFill>
             <a:ln>
@@ -8835,14 +8534,14 @@
         </p:sp>
         <p:sp>
           <p:nvSpPr>
-            <p:cNvPr id="99" name="Rounded Rectangle 98"/>
+            <p:cNvPr id="20" name="Rounded Rectangle 19"/>
             <p:cNvSpPr/>
             <p:nvPr/>
           </p:nvSpPr>
           <p:spPr>
             <a:xfrm>
-              <a:off x="3103942" y="2947155"/>
-              <a:ext cx="3029195" cy="3026467"/>
+              <a:off x="21300251" y="1451481"/>
+              <a:ext cx="891188" cy="890385"/>
             </a:xfrm>
             <a:prstGeom prst="roundRect">
               <a:avLst>
@@ -8850,9 +8549,10 @@
               </a:avLst>
             </a:prstGeom>
             <a:solidFill>
-              <a:schemeClr val="accent1">
+              <a:schemeClr val="accent2">
                 <a:lumMod val="60000"/>
                 <a:lumOff val="40000"/>
+                <a:alpha val="70000"/>
               </a:schemeClr>
             </a:solidFill>
             <a:ln>
@@ -8898,14 +8598,14 @@
         </p:sp>
         <p:sp>
           <p:nvSpPr>
-            <p:cNvPr id="109" name="Rounded Rectangle 108"/>
+            <p:cNvPr id="21" name="Rounded Rectangle 20"/>
             <p:cNvSpPr/>
             <p:nvPr/>
           </p:nvSpPr>
           <p:spPr>
             <a:xfrm>
-              <a:off x="3223925" y="3102360"/>
-              <a:ext cx="2789227" cy="1358029"/>
+              <a:off x="21335550" y="1497142"/>
+              <a:ext cx="820589" cy="399532"/>
             </a:xfrm>
             <a:prstGeom prst="roundRect">
               <a:avLst/>
@@ -8947,14 +8647,14 @@
         </p:sp>
         <p:sp>
           <p:nvSpPr>
-            <p:cNvPr id="112" name="Oval 111"/>
+            <p:cNvPr id="22" name="Oval 21"/>
             <p:cNvSpPr/>
             <p:nvPr/>
           </p:nvSpPr>
           <p:spPr>
             <a:xfrm rot="19229300">
-              <a:off x="5779983" y="3135849"/>
-              <a:ext cx="127948" cy="230898"/>
+              <a:off x="22087541" y="1506995"/>
+              <a:ext cx="37642" cy="67930"/>
             </a:xfrm>
             <a:prstGeom prst="ellipse">
               <a:avLst/>
@@ -8965,91 +8665,6 @@
             <a:ln>
               <a:noFill/>
             </a:ln>
-          </p:spPr>
-          <p:style>
-            <a:lnRef idx="2">
-              <a:schemeClr val="accent1">
-                <a:shade val="50000"/>
-              </a:schemeClr>
-            </a:lnRef>
-            <a:fillRef idx="1">
-              <a:schemeClr val="accent1"/>
-            </a:fillRef>
-            <a:effectRef idx="0">
-              <a:schemeClr val="accent1"/>
-            </a:effectRef>
-            <a:fontRef idx="minor">
-              <a:schemeClr val="lt1"/>
-            </a:fontRef>
-          </p:style>
-          <p:txBody>
-            <a:bodyPr rtlCol="0" anchor="ctr"/>
-            <a:lstStyle/>
-            <a:p>
-              <a:pPr algn="ctr"/>
-              <a:endParaRPr lang="ko-KR" altLang="en-US"/>
-            </a:p>
-          </p:txBody>
-        </p:sp>
-      </p:grpSp>
-      <p:grpSp>
-        <p:nvGrpSpPr>
-          <p:cNvPr id="116" name="Group 115"/>
-          <p:cNvGrpSpPr/>
-          <p:nvPr/>
-        </p:nvGrpSpPr>
-        <p:grpSpPr>
-          <a:xfrm>
-            <a:off x="5031912" y="2744781"/>
-            <a:ext cx="3029196" cy="3104070"/>
-            <a:chOff x="3103941" y="2947155"/>
-            <a:chExt cx="3029196" cy="3104070"/>
-          </a:xfrm>
-        </p:grpSpPr>
-        <p:sp>
-          <p:nvSpPr>
-            <p:cNvPr id="117" name="Rounded Rectangle 116"/>
-            <p:cNvSpPr/>
-            <p:nvPr/>
-          </p:nvSpPr>
-          <p:spPr>
-            <a:xfrm>
-              <a:off x="3103941" y="3024758"/>
-              <a:ext cx="3029195" cy="3026467"/>
-            </a:xfrm>
-            <a:prstGeom prst="roundRect">
-              <a:avLst>
-                <a:gd name="adj" fmla="val 11628"/>
-              </a:avLst>
-            </a:prstGeom>
-            <a:solidFill>
-              <a:schemeClr val="tx2">
-                <a:lumMod val="60000"/>
-                <a:lumOff val="40000"/>
-              </a:schemeClr>
-            </a:solidFill>
-            <a:ln>
-              <a:noFill/>
-            </a:ln>
-            <a:effectLst>
-              <a:outerShdw blurRad="101600" dist="38100" dir="5400000" algn="t" rotWithShape="0">
-                <a:schemeClr val="tx1">
-                  <a:lumMod val="75000"/>
-                  <a:lumOff val="25000"/>
-                  <a:alpha val="40000"/>
-                </a:schemeClr>
-              </a:outerShdw>
-              <a:softEdge rad="12700"/>
-            </a:effectLst>
-            <a:scene3d>
-              <a:camera prst="orthographicFront"/>
-              <a:lightRig rig="threePt" dir="t"/>
-            </a:scene3d>
-            <a:sp3d>
-              <a:contourClr>
-                <a:schemeClr val="bg1"/>
-              </a:contourClr>
-            </a:sp3d>
           </p:spPr>
           <p:style>
             <a:lnRef idx="2">
@@ -9078,1108 +8693,35 @@
         </p:sp>
         <p:sp>
           <p:nvSpPr>
-            <p:cNvPr id="118" name="Rounded Rectangle 117"/>
+            <p:cNvPr id="23" name="Multiply 22"/>
             <p:cNvSpPr/>
             <p:nvPr/>
           </p:nvSpPr>
           <p:spPr>
             <a:xfrm>
-              <a:off x="3103942" y="2947155"/>
-              <a:ext cx="3029195" cy="3026467"/>
+              <a:off x="21322128" y="1497142"/>
+              <a:ext cx="864446" cy="864446"/>
             </a:xfrm>
-            <a:prstGeom prst="roundRect">
+            <a:prstGeom prst="mathMultiply">
               <a:avLst>
-                <a:gd name="adj" fmla="val 11628"/>
+                <a:gd name="adj1" fmla="val 22051"/>
               </a:avLst>
             </a:prstGeom>
             <a:solidFill>
-              <a:schemeClr val="accent1">
-                <a:lumMod val="60000"/>
-                <a:lumOff val="40000"/>
+              <a:schemeClr val="accent2">
+                <a:lumMod val="50000"/>
               </a:schemeClr>
             </a:solidFill>
             <a:ln>
               <a:noFill/>
             </a:ln>
-            <a:effectLst>
-              <a:softEdge rad="12700"/>
-            </a:effectLst>
             <a:scene3d>
               <a:camera prst="orthographicFront"/>
               <a:lightRig rig="threePt" dir="t"/>
             </a:scene3d>
             <a:sp3d>
-              <a:contourClr>
-                <a:schemeClr val="bg1"/>
-              </a:contourClr>
+              <a:bevelT w="38100" h="38100" prst="angle"/>
             </a:sp3d>
-          </p:spPr>
-          <p:style>
-            <a:lnRef idx="2">
-              <a:schemeClr val="accent1">
-                <a:shade val="50000"/>
-              </a:schemeClr>
-            </a:lnRef>
-            <a:fillRef idx="1">
-              <a:schemeClr val="accent1"/>
-            </a:fillRef>
-            <a:effectRef idx="0">
-              <a:schemeClr val="accent1"/>
-            </a:effectRef>
-            <a:fontRef idx="minor">
-              <a:schemeClr val="lt1"/>
-            </a:fontRef>
-          </p:style>
-          <p:txBody>
-            <a:bodyPr rtlCol="0" anchor="ctr"/>
-            <a:lstStyle/>
-            <a:p>
-              <a:pPr algn="ctr"/>
-              <a:endParaRPr lang="ko-KR" altLang="en-US"/>
-            </a:p>
-          </p:txBody>
-        </p:sp>
-        <p:sp>
-          <p:nvSpPr>
-            <p:cNvPr id="119" name="Rounded Rectangle 118"/>
-            <p:cNvSpPr/>
-            <p:nvPr/>
-          </p:nvSpPr>
-          <p:spPr>
-            <a:xfrm>
-              <a:off x="3223925" y="3102360"/>
-              <a:ext cx="2789227" cy="1358029"/>
-            </a:xfrm>
-            <a:prstGeom prst="roundRect">
-              <a:avLst/>
-            </a:prstGeom>
-            <a:solidFill>
-              <a:schemeClr val="bg1">
-                <a:lumMod val="95000"/>
-                <a:alpha val="29000"/>
-              </a:schemeClr>
-            </a:solidFill>
-            <a:ln>
-              <a:noFill/>
-            </a:ln>
-          </p:spPr>
-          <p:style>
-            <a:lnRef idx="2">
-              <a:schemeClr val="accent1">
-                <a:shade val="50000"/>
-              </a:schemeClr>
-            </a:lnRef>
-            <a:fillRef idx="1">
-              <a:schemeClr val="accent1"/>
-            </a:fillRef>
-            <a:effectRef idx="0">
-              <a:schemeClr val="accent1"/>
-            </a:effectRef>
-            <a:fontRef idx="minor">
-              <a:schemeClr val="lt1"/>
-            </a:fontRef>
-          </p:style>
-          <p:txBody>
-            <a:bodyPr rtlCol="0" anchor="ctr"/>
-            <a:lstStyle/>
-            <a:p>
-              <a:pPr algn="ctr"/>
-              <a:endParaRPr lang="ko-KR" altLang="en-US"/>
-            </a:p>
-          </p:txBody>
-        </p:sp>
-        <p:sp>
-          <p:nvSpPr>
-            <p:cNvPr id="120" name="Oval 119"/>
-            <p:cNvSpPr/>
-            <p:nvPr/>
-          </p:nvSpPr>
-          <p:spPr>
-            <a:xfrm rot="19229300">
-              <a:off x="5779983" y="3135849"/>
-              <a:ext cx="127948" cy="230898"/>
-            </a:xfrm>
-            <a:prstGeom prst="ellipse">
-              <a:avLst/>
-            </a:prstGeom>
-            <a:solidFill>
-              <a:schemeClr val="bg1"/>
-            </a:solidFill>
-            <a:ln>
-              <a:noFill/>
-            </a:ln>
-          </p:spPr>
-          <p:style>
-            <a:lnRef idx="2">
-              <a:schemeClr val="accent1">
-                <a:shade val="50000"/>
-              </a:schemeClr>
-            </a:lnRef>
-            <a:fillRef idx="1">
-              <a:schemeClr val="accent1"/>
-            </a:fillRef>
-            <a:effectRef idx="0">
-              <a:schemeClr val="accent1"/>
-            </a:effectRef>
-            <a:fontRef idx="minor">
-              <a:schemeClr val="lt1"/>
-            </a:fontRef>
-          </p:style>
-          <p:txBody>
-            <a:bodyPr rtlCol="0" anchor="ctr"/>
-            <a:lstStyle/>
-            <a:p>
-              <a:pPr algn="ctr"/>
-              <a:endParaRPr lang="ko-KR" altLang="en-US"/>
-            </a:p>
-          </p:txBody>
-        </p:sp>
-      </p:grpSp>
-      <p:grpSp>
-        <p:nvGrpSpPr>
-          <p:cNvPr id="121" name="Group 120"/>
-          <p:cNvGrpSpPr/>
-          <p:nvPr/>
-        </p:nvGrpSpPr>
-        <p:grpSpPr>
-          <a:xfrm>
-            <a:off x="8811459" y="2744781"/>
-            <a:ext cx="3029196" cy="3104070"/>
-            <a:chOff x="3103941" y="2947155"/>
-            <a:chExt cx="3029196" cy="3104070"/>
-          </a:xfrm>
-        </p:grpSpPr>
-        <p:sp>
-          <p:nvSpPr>
-            <p:cNvPr id="122" name="Rounded Rectangle 121"/>
-            <p:cNvSpPr/>
-            <p:nvPr/>
-          </p:nvSpPr>
-          <p:spPr>
-            <a:xfrm>
-              <a:off x="3103941" y="3024758"/>
-              <a:ext cx="3029195" cy="3026467"/>
-            </a:xfrm>
-            <a:prstGeom prst="roundRect">
-              <a:avLst>
-                <a:gd name="adj" fmla="val 11628"/>
-              </a:avLst>
-            </a:prstGeom>
-            <a:solidFill>
-              <a:schemeClr val="tx2">
-                <a:lumMod val="60000"/>
-                <a:lumOff val="40000"/>
-              </a:schemeClr>
-            </a:solidFill>
-            <a:ln>
-              <a:noFill/>
-            </a:ln>
-            <a:effectLst>
-              <a:outerShdw blurRad="101600" dist="38100" dir="5400000" algn="t" rotWithShape="0">
-                <a:schemeClr val="tx1">
-                  <a:lumMod val="75000"/>
-                  <a:lumOff val="25000"/>
-                  <a:alpha val="40000"/>
-                </a:schemeClr>
-              </a:outerShdw>
-              <a:softEdge rad="12700"/>
-            </a:effectLst>
-            <a:scene3d>
-              <a:camera prst="orthographicFront"/>
-              <a:lightRig rig="threePt" dir="t"/>
-            </a:scene3d>
-            <a:sp3d>
-              <a:contourClr>
-                <a:schemeClr val="bg1"/>
-              </a:contourClr>
-            </a:sp3d>
-          </p:spPr>
-          <p:style>
-            <a:lnRef idx="2">
-              <a:schemeClr val="accent1">
-                <a:shade val="50000"/>
-              </a:schemeClr>
-            </a:lnRef>
-            <a:fillRef idx="1">
-              <a:schemeClr val="accent1"/>
-            </a:fillRef>
-            <a:effectRef idx="0">
-              <a:schemeClr val="accent1"/>
-            </a:effectRef>
-            <a:fontRef idx="minor">
-              <a:schemeClr val="lt1"/>
-            </a:fontRef>
-          </p:style>
-          <p:txBody>
-            <a:bodyPr rtlCol="0" anchor="ctr"/>
-            <a:lstStyle/>
-            <a:p>
-              <a:pPr algn="ctr"/>
-              <a:endParaRPr lang="ko-KR" altLang="en-US"/>
-            </a:p>
-          </p:txBody>
-        </p:sp>
-        <p:sp>
-          <p:nvSpPr>
-            <p:cNvPr id="123" name="Rounded Rectangle 122"/>
-            <p:cNvSpPr/>
-            <p:nvPr/>
-          </p:nvSpPr>
-          <p:spPr>
-            <a:xfrm>
-              <a:off x="3103942" y="2947155"/>
-              <a:ext cx="3029195" cy="3026467"/>
-            </a:xfrm>
-            <a:prstGeom prst="roundRect">
-              <a:avLst>
-                <a:gd name="adj" fmla="val 11628"/>
-              </a:avLst>
-            </a:prstGeom>
-            <a:solidFill>
-              <a:schemeClr val="accent1">
-                <a:lumMod val="60000"/>
-                <a:lumOff val="40000"/>
-              </a:schemeClr>
-            </a:solidFill>
-            <a:ln>
-              <a:noFill/>
-            </a:ln>
-            <a:effectLst>
-              <a:softEdge rad="12700"/>
-            </a:effectLst>
-            <a:scene3d>
-              <a:camera prst="orthographicFront"/>
-              <a:lightRig rig="threePt" dir="t"/>
-            </a:scene3d>
-            <a:sp3d>
-              <a:contourClr>
-                <a:schemeClr val="bg1"/>
-              </a:contourClr>
-            </a:sp3d>
-          </p:spPr>
-          <p:style>
-            <a:lnRef idx="2">
-              <a:schemeClr val="accent1">
-                <a:shade val="50000"/>
-              </a:schemeClr>
-            </a:lnRef>
-            <a:fillRef idx="1">
-              <a:schemeClr val="accent1"/>
-            </a:fillRef>
-            <a:effectRef idx="0">
-              <a:schemeClr val="accent1"/>
-            </a:effectRef>
-            <a:fontRef idx="minor">
-              <a:schemeClr val="lt1"/>
-            </a:fontRef>
-          </p:style>
-          <p:txBody>
-            <a:bodyPr rtlCol="0" anchor="ctr"/>
-            <a:lstStyle/>
-            <a:p>
-              <a:pPr algn="ctr"/>
-              <a:endParaRPr lang="ko-KR" altLang="en-US"/>
-            </a:p>
-          </p:txBody>
-        </p:sp>
-        <p:sp>
-          <p:nvSpPr>
-            <p:cNvPr id="124" name="Rounded Rectangle 123"/>
-            <p:cNvSpPr/>
-            <p:nvPr/>
-          </p:nvSpPr>
-          <p:spPr>
-            <a:xfrm>
-              <a:off x="3223925" y="3102360"/>
-              <a:ext cx="2789227" cy="1358029"/>
-            </a:xfrm>
-            <a:prstGeom prst="roundRect">
-              <a:avLst/>
-            </a:prstGeom>
-            <a:solidFill>
-              <a:schemeClr val="bg1">
-                <a:lumMod val="95000"/>
-                <a:alpha val="29000"/>
-              </a:schemeClr>
-            </a:solidFill>
-            <a:ln>
-              <a:noFill/>
-            </a:ln>
-          </p:spPr>
-          <p:style>
-            <a:lnRef idx="2">
-              <a:schemeClr val="accent1">
-                <a:shade val="50000"/>
-              </a:schemeClr>
-            </a:lnRef>
-            <a:fillRef idx="1">
-              <a:schemeClr val="accent1"/>
-            </a:fillRef>
-            <a:effectRef idx="0">
-              <a:schemeClr val="accent1"/>
-            </a:effectRef>
-            <a:fontRef idx="minor">
-              <a:schemeClr val="lt1"/>
-            </a:fontRef>
-          </p:style>
-          <p:txBody>
-            <a:bodyPr rtlCol="0" anchor="ctr"/>
-            <a:lstStyle/>
-            <a:p>
-              <a:pPr algn="ctr"/>
-              <a:endParaRPr lang="ko-KR" altLang="en-US"/>
-            </a:p>
-          </p:txBody>
-        </p:sp>
-        <p:sp>
-          <p:nvSpPr>
-            <p:cNvPr id="125" name="Oval 124"/>
-            <p:cNvSpPr/>
-            <p:nvPr/>
-          </p:nvSpPr>
-          <p:spPr>
-            <a:xfrm rot="19229300">
-              <a:off x="5779983" y="3135849"/>
-              <a:ext cx="127948" cy="230898"/>
-            </a:xfrm>
-            <a:prstGeom prst="ellipse">
-              <a:avLst/>
-            </a:prstGeom>
-            <a:solidFill>
-              <a:schemeClr val="bg1"/>
-            </a:solidFill>
-            <a:ln>
-              <a:noFill/>
-            </a:ln>
-          </p:spPr>
-          <p:style>
-            <a:lnRef idx="2">
-              <a:schemeClr val="accent1">
-                <a:shade val="50000"/>
-              </a:schemeClr>
-            </a:lnRef>
-            <a:fillRef idx="1">
-              <a:schemeClr val="accent1"/>
-            </a:fillRef>
-            <a:effectRef idx="0">
-              <a:schemeClr val="accent1"/>
-            </a:effectRef>
-            <a:fontRef idx="minor">
-              <a:schemeClr val="lt1"/>
-            </a:fontRef>
-          </p:style>
-          <p:txBody>
-            <a:bodyPr rtlCol="0" anchor="ctr"/>
-            <a:lstStyle/>
-            <a:p>
-              <a:pPr algn="ctr"/>
-              <a:endParaRPr lang="ko-KR" altLang="en-US"/>
-            </a:p>
-          </p:txBody>
-        </p:sp>
-      </p:grpSp>
-      <p:grpSp>
-        <p:nvGrpSpPr>
-          <p:cNvPr id="126" name="Group 125"/>
-          <p:cNvGrpSpPr/>
-          <p:nvPr/>
-        </p:nvGrpSpPr>
-        <p:grpSpPr>
-          <a:xfrm>
-            <a:off x="16370553" y="2744781"/>
-            <a:ext cx="3029196" cy="3104070"/>
-            <a:chOff x="3103941" y="2947155"/>
-            <a:chExt cx="3029196" cy="3104070"/>
-          </a:xfrm>
-        </p:grpSpPr>
-        <p:sp>
-          <p:nvSpPr>
-            <p:cNvPr id="127" name="Rounded Rectangle 126"/>
-            <p:cNvSpPr/>
-            <p:nvPr/>
-          </p:nvSpPr>
-          <p:spPr>
-            <a:xfrm>
-              <a:off x="3103941" y="3024758"/>
-              <a:ext cx="3029195" cy="3026467"/>
-            </a:xfrm>
-            <a:prstGeom prst="roundRect">
-              <a:avLst>
-                <a:gd name="adj" fmla="val 11628"/>
-              </a:avLst>
-            </a:prstGeom>
-            <a:solidFill>
-              <a:schemeClr val="tx2">
-                <a:lumMod val="60000"/>
-                <a:lumOff val="40000"/>
-              </a:schemeClr>
-            </a:solidFill>
-            <a:ln>
-              <a:noFill/>
-            </a:ln>
-            <a:effectLst>
-              <a:outerShdw blurRad="101600" dist="38100" dir="5400000" algn="t" rotWithShape="0">
-                <a:schemeClr val="tx1">
-                  <a:lumMod val="75000"/>
-                  <a:lumOff val="25000"/>
-                  <a:alpha val="40000"/>
-                </a:schemeClr>
-              </a:outerShdw>
-              <a:softEdge rad="12700"/>
-            </a:effectLst>
-            <a:scene3d>
-              <a:camera prst="orthographicFront"/>
-              <a:lightRig rig="threePt" dir="t"/>
-            </a:scene3d>
-            <a:sp3d>
-              <a:contourClr>
-                <a:schemeClr val="bg1"/>
-              </a:contourClr>
-            </a:sp3d>
-          </p:spPr>
-          <p:style>
-            <a:lnRef idx="2">
-              <a:schemeClr val="accent1">
-                <a:shade val="50000"/>
-              </a:schemeClr>
-            </a:lnRef>
-            <a:fillRef idx="1">
-              <a:schemeClr val="accent1"/>
-            </a:fillRef>
-            <a:effectRef idx="0">
-              <a:schemeClr val="accent1"/>
-            </a:effectRef>
-            <a:fontRef idx="minor">
-              <a:schemeClr val="lt1"/>
-            </a:fontRef>
-          </p:style>
-          <p:txBody>
-            <a:bodyPr rtlCol="0" anchor="ctr"/>
-            <a:lstStyle/>
-            <a:p>
-              <a:pPr algn="ctr"/>
-              <a:endParaRPr lang="ko-KR" altLang="en-US"/>
-            </a:p>
-          </p:txBody>
-        </p:sp>
-        <p:sp>
-          <p:nvSpPr>
-            <p:cNvPr id="128" name="Rounded Rectangle 127"/>
-            <p:cNvSpPr/>
-            <p:nvPr/>
-          </p:nvSpPr>
-          <p:spPr>
-            <a:xfrm>
-              <a:off x="3103942" y="2947155"/>
-              <a:ext cx="3029195" cy="3026467"/>
-            </a:xfrm>
-            <a:prstGeom prst="roundRect">
-              <a:avLst>
-                <a:gd name="adj" fmla="val 11628"/>
-              </a:avLst>
-            </a:prstGeom>
-            <a:solidFill>
-              <a:schemeClr val="accent1">
-                <a:lumMod val="60000"/>
-                <a:lumOff val="40000"/>
-              </a:schemeClr>
-            </a:solidFill>
-            <a:ln>
-              <a:noFill/>
-            </a:ln>
-            <a:effectLst>
-              <a:softEdge rad="12700"/>
-            </a:effectLst>
-            <a:scene3d>
-              <a:camera prst="orthographicFront"/>
-              <a:lightRig rig="threePt" dir="t"/>
-            </a:scene3d>
-            <a:sp3d>
-              <a:contourClr>
-                <a:schemeClr val="bg1"/>
-              </a:contourClr>
-            </a:sp3d>
-          </p:spPr>
-          <p:style>
-            <a:lnRef idx="2">
-              <a:schemeClr val="accent1">
-                <a:shade val="50000"/>
-              </a:schemeClr>
-            </a:lnRef>
-            <a:fillRef idx="1">
-              <a:schemeClr val="accent1"/>
-            </a:fillRef>
-            <a:effectRef idx="0">
-              <a:schemeClr val="accent1"/>
-            </a:effectRef>
-            <a:fontRef idx="minor">
-              <a:schemeClr val="lt1"/>
-            </a:fontRef>
-          </p:style>
-          <p:txBody>
-            <a:bodyPr rtlCol="0" anchor="ctr"/>
-            <a:lstStyle/>
-            <a:p>
-              <a:pPr algn="ctr"/>
-              <a:endParaRPr lang="ko-KR" altLang="en-US"/>
-            </a:p>
-          </p:txBody>
-        </p:sp>
-        <p:sp>
-          <p:nvSpPr>
-            <p:cNvPr id="129" name="Rounded Rectangle 128"/>
-            <p:cNvSpPr/>
-            <p:nvPr/>
-          </p:nvSpPr>
-          <p:spPr>
-            <a:xfrm>
-              <a:off x="3223925" y="3102360"/>
-              <a:ext cx="2789227" cy="1358029"/>
-            </a:xfrm>
-            <a:prstGeom prst="roundRect">
-              <a:avLst/>
-            </a:prstGeom>
-            <a:solidFill>
-              <a:schemeClr val="bg1">
-                <a:lumMod val="95000"/>
-                <a:alpha val="29000"/>
-              </a:schemeClr>
-            </a:solidFill>
-            <a:ln>
-              <a:noFill/>
-            </a:ln>
-          </p:spPr>
-          <p:style>
-            <a:lnRef idx="2">
-              <a:schemeClr val="accent1">
-                <a:shade val="50000"/>
-              </a:schemeClr>
-            </a:lnRef>
-            <a:fillRef idx="1">
-              <a:schemeClr val="accent1"/>
-            </a:fillRef>
-            <a:effectRef idx="0">
-              <a:schemeClr val="accent1"/>
-            </a:effectRef>
-            <a:fontRef idx="minor">
-              <a:schemeClr val="lt1"/>
-            </a:fontRef>
-          </p:style>
-          <p:txBody>
-            <a:bodyPr rtlCol="0" anchor="ctr"/>
-            <a:lstStyle/>
-            <a:p>
-              <a:pPr algn="ctr"/>
-              <a:endParaRPr lang="ko-KR" altLang="en-US"/>
-            </a:p>
-          </p:txBody>
-        </p:sp>
-        <p:sp>
-          <p:nvSpPr>
-            <p:cNvPr id="130" name="Oval 129"/>
-            <p:cNvSpPr/>
-            <p:nvPr/>
-          </p:nvSpPr>
-          <p:spPr>
-            <a:xfrm rot="19229300">
-              <a:off x="5779983" y="3135849"/>
-              <a:ext cx="127948" cy="230898"/>
-            </a:xfrm>
-            <a:prstGeom prst="ellipse">
-              <a:avLst/>
-            </a:prstGeom>
-            <a:solidFill>
-              <a:schemeClr val="bg1"/>
-            </a:solidFill>
-            <a:ln>
-              <a:noFill/>
-            </a:ln>
-          </p:spPr>
-          <p:style>
-            <a:lnRef idx="2">
-              <a:schemeClr val="accent1">
-                <a:shade val="50000"/>
-              </a:schemeClr>
-            </a:lnRef>
-            <a:fillRef idx="1">
-              <a:schemeClr val="accent1"/>
-            </a:fillRef>
-            <a:effectRef idx="0">
-              <a:schemeClr val="accent1"/>
-            </a:effectRef>
-            <a:fontRef idx="minor">
-              <a:schemeClr val="lt1"/>
-            </a:fontRef>
-          </p:style>
-          <p:txBody>
-            <a:bodyPr rtlCol="0" anchor="ctr"/>
-            <a:lstStyle/>
-            <a:p>
-              <a:pPr algn="ctr"/>
-              <a:endParaRPr lang="ko-KR" altLang="en-US"/>
-            </a:p>
-          </p:txBody>
-        </p:sp>
-      </p:grpSp>
-      <p:grpSp>
-        <p:nvGrpSpPr>
-          <p:cNvPr id="131" name="Group 130"/>
-          <p:cNvGrpSpPr/>
-          <p:nvPr/>
-        </p:nvGrpSpPr>
-        <p:grpSpPr>
-          <a:xfrm>
-            <a:off x="20150102" y="2744781"/>
-            <a:ext cx="3029196" cy="3104070"/>
-            <a:chOff x="3103941" y="2947155"/>
-            <a:chExt cx="3029196" cy="3104070"/>
-          </a:xfrm>
-        </p:grpSpPr>
-        <p:sp>
-          <p:nvSpPr>
-            <p:cNvPr id="132" name="Rounded Rectangle 131"/>
-            <p:cNvSpPr/>
-            <p:nvPr/>
-          </p:nvSpPr>
-          <p:spPr>
-            <a:xfrm>
-              <a:off x="3103941" y="3024758"/>
-              <a:ext cx="3029195" cy="3026467"/>
-            </a:xfrm>
-            <a:prstGeom prst="roundRect">
-              <a:avLst>
-                <a:gd name="adj" fmla="val 11628"/>
-              </a:avLst>
-            </a:prstGeom>
-            <a:solidFill>
-              <a:schemeClr val="tx2">
-                <a:lumMod val="60000"/>
-                <a:lumOff val="40000"/>
-              </a:schemeClr>
-            </a:solidFill>
-            <a:ln>
-              <a:noFill/>
-            </a:ln>
-            <a:effectLst>
-              <a:outerShdw blurRad="101600" dist="38100" dir="5400000" algn="t" rotWithShape="0">
-                <a:schemeClr val="tx1">
-                  <a:lumMod val="75000"/>
-                  <a:lumOff val="25000"/>
-                  <a:alpha val="40000"/>
-                </a:schemeClr>
-              </a:outerShdw>
-              <a:softEdge rad="12700"/>
-            </a:effectLst>
-            <a:scene3d>
-              <a:camera prst="orthographicFront"/>
-              <a:lightRig rig="threePt" dir="t"/>
-            </a:scene3d>
-            <a:sp3d>
-              <a:contourClr>
-                <a:schemeClr val="bg1"/>
-              </a:contourClr>
-            </a:sp3d>
-          </p:spPr>
-          <p:style>
-            <a:lnRef idx="2">
-              <a:schemeClr val="accent1">
-                <a:shade val="50000"/>
-              </a:schemeClr>
-            </a:lnRef>
-            <a:fillRef idx="1">
-              <a:schemeClr val="accent1"/>
-            </a:fillRef>
-            <a:effectRef idx="0">
-              <a:schemeClr val="accent1"/>
-            </a:effectRef>
-            <a:fontRef idx="minor">
-              <a:schemeClr val="lt1"/>
-            </a:fontRef>
-          </p:style>
-          <p:txBody>
-            <a:bodyPr rtlCol="0" anchor="ctr"/>
-            <a:lstStyle/>
-            <a:p>
-              <a:pPr algn="ctr"/>
-              <a:endParaRPr lang="ko-KR" altLang="en-US"/>
-            </a:p>
-          </p:txBody>
-        </p:sp>
-        <p:sp>
-          <p:nvSpPr>
-            <p:cNvPr id="133" name="Rounded Rectangle 132"/>
-            <p:cNvSpPr/>
-            <p:nvPr/>
-          </p:nvSpPr>
-          <p:spPr>
-            <a:xfrm>
-              <a:off x="3103942" y="2947155"/>
-              <a:ext cx="3029195" cy="3026467"/>
-            </a:xfrm>
-            <a:prstGeom prst="roundRect">
-              <a:avLst>
-                <a:gd name="adj" fmla="val 11628"/>
-              </a:avLst>
-            </a:prstGeom>
-            <a:solidFill>
-              <a:schemeClr val="accent1">
-                <a:lumMod val="60000"/>
-                <a:lumOff val="40000"/>
-              </a:schemeClr>
-            </a:solidFill>
-            <a:ln>
-              <a:noFill/>
-            </a:ln>
-            <a:effectLst>
-              <a:softEdge rad="12700"/>
-            </a:effectLst>
-            <a:scene3d>
-              <a:camera prst="orthographicFront"/>
-              <a:lightRig rig="threePt" dir="t"/>
-            </a:scene3d>
-            <a:sp3d>
-              <a:contourClr>
-                <a:schemeClr val="bg1"/>
-              </a:contourClr>
-            </a:sp3d>
-          </p:spPr>
-          <p:style>
-            <a:lnRef idx="2">
-              <a:schemeClr val="accent1">
-                <a:shade val="50000"/>
-              </a:schemeClr>
-            </a:lnRef>
-            <a:fillRef idx="1">
-              <a:schemeClr val="accent1"/>
-            </a:fillRef>
-            <a:effectRef idx="0">
-              <a:schemeClr val="accent1"/>
-            </a:effectRef>
-            <a:fontRef idx="minor">
-              <a:schemeClr val="lt1"/>
-            </a:fontRef>
-          </p:style>
-          <p:txBody>
-            <a:bodyPr rtlCol="0" anchor="ctr"/>
-            <a:lstStyle/>
-            <a:p>
-              <a:pPr algn="ctr"/>
-              <a:endParaRPr lang="ko-KR" altLang="en-US"/>
-            </a:p>
-          </p:txBody>
-        </p:sp>
-        <p:sp>
-          <p:nvSpPr>
-            <p:cNvPr id="134" name="Rounded Rectangle 133"/>
-            <p:cNvSpPr/>
-            <p:nvPr/>
-          </p:nvSpPr>
-          <p:spPr>
-            <a:xfrm>
-              <a:off x="3223925" y="3102360"/>
-              <a:ext cx="2789227" cy="1358029"/>
-            </a:xfrm>
-            <a:prstGeom prst="roundRect">
-              <a:avLst/>
-            </a:prstGeom>
-            <a:solidFill>
-              <a:schemeClr val="bg1">
-                <a:lumMod val="95000"/>
-                <a:alpha val="29000"/>
-              </a:schemeClr>
-            </a:solidFill>
-            <a:ln>
-              <a:noFill/>
-            </a:ln>
-          </p:spPr>
-          <p:style>
-            <a:lnRef idx="2">
-              <a:schemeClr val="accent1">
-                <a:shade val="50000"/>
-              </a:schemeClr>
-            </a:lnRef>
-            <a:fillRef idx="1">
-              <a:schemeClr val="accent1"/>
-            </a:fillRef>
-            <a:effectRef idx="0">
-              <a:schemeClr val="accent1"/>
-            </a:effectRef>
-            <a:fontRef idx="minor">
-              <a:schemeClr val="lt1"/>
-            </a:fontRef>
-          </p:style>
-          <p:txBody>
-            <a:bodyPr rtlCol="0" anchor="ctr"/>
-            <a:lstStyle/>
-            <a:p>
-              <a:pPr algn="ctr"/>
-              <a:endParaRPr lang="ko-KR" altLang="en-US"/>
-            </a:p>
-          </p:txBody>
-        </p:sp>
-        <p:sp>
-          <p:nvSpPr>
-            <p:cNvPr id="135" name="Oval 134"/>
-            <p:cNvSpPr/>
-            <p:nvPr/>
-          </p:nvSpPr>
-          <p:spPr>
-            <a:xfrm rot="19229300">
-              <a:off x="5779983" y="3135849"/>
-              <a:ext cx="127948" cy="230898"/>
-            </a:xfrm>
-            <a:prstGeom prst="ellipse">
-              <a:avLst/>
-            </a:prstGeom>
-            <a:solidFill>
-              <a:schemeClr val="bg1"/>
-            </a:solidFill>
-            <a:ln>
-              <a:noFill/>
-            </a:ln>
-          </p:spPr>
-          <p:style>
-            <a:lnRef idx="2">
-              <a:schemeClr val="accent1">
-                <a:shade val="50000"/>
-              </a:schemeClr>
-            </a:lnRef>
-            <a:fillRef idx="1">
-              <a:schemeClr val="accent1"/>
-            </a:fillRef>
-            <a:effectRef idx="0">
-              <a:schemeClr val="accent1"/>
-            </a:effectRef>
-            <a:fontRef idx="minor">
-              <a:schemeClr val="lt1"/>
-            </a:fontRef>
-          </p:style>
-          <p:txBody>
-            <a:bodyPr rtlCol="0" anchor="ctr"/>
-            <a:lstStyle/>
-            <a:p>
-              <a:pPr algn="ctr"/>
-              <a:endParaRPr lang="ko-KR" altLang="en-US"/>
-            </a:p>
-          </p:txBody>
-        </p:sp>
-      </p:grpSp>
-      <p:grpSp>
-        <p:nvGrpSpPr>
-          <p:cNvPr id="156" name="Group 155"/>
-          <p:cNvGrpSpPr/>
-          <p:nvPr/>
-        </p:nvGrpSpPr>
-        <p:grpSpPr>
-          <a:xfrm>
-            <a:off x="12591006" y="2744781"/>
-            <a:ext cx="3029196" cy="3104070"/>
-            <a:chOff x="3103941" y="2947155"/>
-            <a:chExt cx="3029196" cy="3104070"/>
-          </a:xfrm>
-        </p:grpSpPr>
-        <p:sp>
-          <p:nvSpPr>
-            <p:cNvPr id="157" name="Rounded Rectangle 156"/>
-            <p:cNvSpPr/>
-            <p:nvPr/>
-          </p:nvSpPr>
-          <p:spPr>
-            <a:xfrm>
-              <a:off x="3103941" y="3024758"/>
-              <a:ext cx="3029195" cy="3026467"/>
-            </a:xfrm>
-            <a:prstGeom prst="roundRect">
-              <a:avLst>
-                <a:gd name="adj" fmla="val 11628"/>
-              </a:avLst>
-            </a:prstGeom>
-            <a:solidFill>
-              <a:schemeClr val="tx2">
-                <a:lumMod val="60000"/>
-                <a:lumOff val="40000"/>
-              </a:schemeClr>
-            </a:solidFill>
-            <a:ln>
-              <a:noFill/>
-            </a:ln>
-            <a:effectLst>
-              <a:outerShdw blurRad="101600" dist="38100" dir="5400000" algn="t" rotWithShape="0">
-                <a:schemeClr val="tx1">
-                  <a:lumMod val="75000"/>
-                  <a:lumOff val="25000"/>
-                  <a:alpha val="40000"/>
-                </a:schemeClr>
-              </a:outerShdw>
-              <a:softEdge rad="12700"/>
-            </a:effectLst>
-            <a:scene3d>
-              <a:camera prst="orthographicFront"/>
-              <a:lightRig rig="threePt" dir="t"/>
-            </a:scene3d>
-            <a:sp3d>
-              <a:contourClr>
-                <a:schemeClr val="bg1"/>
-              </a:contourClr>
-            </a:sp3d>
-          </p:spPr>
-          <p:style>
-            <a:lnRef idx="2">
-              <a:schemeClr val="accent1">
-                <a:shade val="50000"/>
-              </a:schemeClr>
-            </a:lnRef>
-            <a:fillRef idx="1">
-              <a:schemeClr val="accent1"/>
-            </a:fillRef>
-            <a:effectRef idx="0">
-              <a:schemeClr val="accent1"/>
-            </a:effectRef>
-            <a:fontRef idx="minor">
-              <a:schemeClr val="lt1"/>
-            </a:fontRef>
-          </p:style>
-          <p:txBody>
-            <a:bodyPr rtlCol="0" anchor="ctr"/>
-            <a:lstStyle/>
-            <a:p>
-              <a:pPr algn="ctr"/>
-              <a:endParaRPr lang="ko-KR" altLang="en-US"/>
-            </a:p>
-          </p:txBody>
-        </p:sp>
-        <p:sp>
-          <p:nvSpPr>
-            <p:cNvPr id="158" name="Rounded Rectangle 157"/>
-            <p:cNvSpPr/>
-            <p:nvPr/>
-          </p:nvSpPr>
-          <p:spPr>
-            <a:xfrm>
-              <a:off x="3103942" y="2947155"/>
-              <a:ext cx="3029195" cy="3026467"/>
-            </a:xfrm>
-            <a:prstGeom prst="roundRect">
-              <a:avLst>
-                <a:gd name="adj" fmla="val 11628"/>
-              </a:avLst>
-            </a:prstGeom>
-            <a:solidFill>
-              <a:schemeClr val="accent1">
-                <a:lumMod val="60000"/>
-                <a:lumOff val="40000"/>
-              </a:schemeClr>
-            </a:solidFill>
-            <a:ln>
-              <a:noFill/>
-            </a:ln>
-            <a:effectLst>
-              <a:softEdge rad="12700"/>
-            </a:effectLst>
-            <a:scene3d>
-              <a:camera prst="orthographicFront"/>
-              <a:lightRig rig="threePt" dir="t"/>
-            </a:scene3d>
-            <a:sp3d>
-              <a:contourClr>
-                <a:schemeClr val="bg1"/>
-              </a:contourClr>
-            </a:sp3d>
-          </p:spPr>
-          <p:style>
-            <a:lnRef idx="2">
-              <a:schemeClr val="accent1">
-                <a:shade val="50000"/>
-              </a:schemeClr>
-            </a:lnRef>
-            <a:fillRef idx="1">
-              <a:schemeClr val="accent1"/>
-            </a:fillRef>
-            <a:effectRef idx="0">
-              <a:schemeClr val="accent1"/>
-            </a:effectRef>
-            <a:fontRef idx="minor">
-              <a:schemeClr val="lt1"/>
-            </a:fontRef>
-          </p:style>
-          <p:txBody>
-            <a:bodyPr rtlCol="0" anchor="ctr"/>
-            <a:lstStyle/>
-            <a:p>
-              <a:pPr algn="ctr"/>
-              <a:endParaRPr lang="ko-KR" altLang="en-US"/>
-            </a:p>
-          </p:txBody>
-        </p:sp>
-        <p:sp>
-          <p:nvSpPr>
-            <p:cNvPr id="159" name="Rounded Rectangle 158"/>
-            <p:cNvSpPr/>
-            <p:nvPr/>
-          </p:nvSpPr>
-          <p:spPr>
-            <a:xfrm>
-              <a:off x="3223925" y="3102360"/>
-              <a:ext cx="2789227" cy="1358029"/>
-            </a:xfrm>
-            <a:prstGeom prst="roundRect">
-              <a:avLst/>
-            </a:prstGeom>
-            <a:solidFill>
-              <a:schemeClr val="bg1">
-                <a:lumMod val="95000"/>
-                <a:alpha val="29000"/>
-              </a:schemeClr>
-            </a:solidFill>
-            <a:ln>
-              <a:noFill/>
-            </a:ln>
-          </p:spPr>
-          <p:style>
-            <a:lnRef idx="2">
-              <a:schemeClr val="accent1">
-                <a:shade val="50000"/>
-              </a:schemeClr>
-            </a:lnRef>
-            <a:fillRef idx="1">
-              <a:schemeClr val="accent1"/>
-            </a:fillRef>
-            <a:effectRef idx="0">
-              <a:schemeClr val="accent1"/>
-            </a:effectRef>
-            <a:fontRef idx="minor">
-              <a:schemeClr val="lt1"/>
-            </a:fontRef>
-          </p:style>
-          <p:txBody>
-            <a:bodyPr rtlCol="0" anchor="ctr"/>
-            <a:lstStyle/>
-            <a:p>
-              <a:pPr algn="ctr"/>
-              <a:endParaRPr lang="ko-KR" altLang="en-US"/>
-            </a:p>
-          </p:txBody>
-        </p:sp>
-        <p:sp>
-          <p:nvSpPr>
-            <p:cNvPr id="160" name="Oval 159"/>
-            <p:cNvSpPr/>
-            <p:nvPr/>
-          </p:nvSpPr>
-          <p:spPr>
-            <a:xfrm rot="19229300">
-              <a:off x="5779983" y="3135849"/>
-              <a:ext cx="127948" cy="230898"/>
-            </a:xfrm>
-            <a:prstGeom prst="ellipse">
-              <a:avLst/>
-            </a:prstGeom>
-            <a:solidFill>
-              <a:schemeClr val="bg1"/>
-            </a:solidFill>
-            <a:ln>
-              <a:noFill/>
-            </a:ln>
           </p:spPr>
           <p:style>
             <a:lnRef idx="2">
